--- a/Slides/Slides-02-Package_Elements_and_Structure/Slides-02-02-Package Documentation/Slides-02-02-Package_Documentation.pptx
+++ b/Slides/Slides-02-Package_Elements_and_Structure/Slides-02-02-Package Documentation/Slides-02-02-Package_Documentation.pptx
@@ -5,7 +5,7 @@
     <p:sldMasterId id="2147483673" r:id="rId4"/>
   </p:sldMasterIdLst>
   <p:notesMasterIdLst>
-    <p:notesMasterId r:id="rId24"/>
+    <p:notesMasterId r:id="rId26"/>
   </p:notesMasterIdLst>
   <p:sldIdLst>
     <p:sldId id="257" r:id="rId5"/>
@@ -13,20 +13,22 @@
     <p:sldId id="263" r:id="rId7"/>
     <p:sldId id="270" r:id="rId8"/>
     <p:sldId id="332" r:id="rId9"/>
-    <p:sldId id="335" r:id="rId10"/>
-    <p:sldId id="336" r:id="rId11"/>
-    <p:sldId id="333" r:id="rId12"/>
-    <p:sldId id="275" r:id="rId13"/>
-    <p:sldId id="334" r:id="rId14"/>
-    <p:sldId id="291" r:id="rId15"/>
-    <p:sldId id="307" r:id="rId16"/>
-    <p:sldId id="311" r:id="rId17"/>
-    <p:sldId id="309" r:id="rId18"/>
-    <p:sldId id="296" r:id="rId19"/>
-    <p:sldId id="337" r:id="rId20"/>
-    <p:sldId id="313" r:id="rId21"/>
-    <p:sldId id="302" r:id="rId22"/>
-    <p:sldId id="330" r:id="rId23"/>
+    <p:sldId id="338" r:id="rId10"/>
+    <p:sldId id="335" r:id="rId11"/>
+    <p:sldId id="339" r:id="rId12"/>
+    <p:sldId id="340" r:id="rId13"/>
+    <p:sldId id="333" r:id="rId14"/>
+    <p:sldId id="275" r:id="rId15"/>
+    <p:sldId id="341" r:id="rId16"/>
+    <p:sldId id="342" r:id="rId17"/>
+    <p:sldId id="343" r:id="rId18"/>
+    <p:sldId id="344" r:id="rId19"/>
+    <p:sldId id="334" r:id="rId20"/>
+    <p:sldId id="348" r:id="rId21"/>
+    <p:sldId id="349" r:id="rId22"/>
+    <p:sldId id="291" r:id="rId23"/>
+    <p:sldId id="302" r:id="rId24"/>
+    <p:sldId id="330" r:id="rId25"/>
   </p:sldIdLst>
   <p:sldSz cx="12192000" cy="6858000"/>
   <p:notesSz cx="6858000" cy="9144000"/>
@@ -215,7 +217,7 @@
           <a:p>
             <a:fld id="{AE1375EF-7AC2-40F0-8984-3657FAAC21B8}" type="datetimeFigureOut">
               <a:rPr lang="en-US" smtClean="0"/>
-              <a:t>5/28/2021</a:t>
+              <a:t>5/31/2021</a:t>
             </a:fld>
             <a:endParaRPr lang="en-US"/>
           </a:p>
@@ -528,7 +530,21 @@
           <a:p>
             <a:r>
               <a:rPr lang="en-US" dirty="0"/>
-              <a:t>What happens when you type that</a:t>
+              <a:t>What happens when you type ?</a:t>
+            </a:r>
+            <a:r>
+              <a:rPr lang="en-US" dirty="0" err="1"/>
+              <a:t>functionname</a:t>
+            </a:r>
+            <a:endParaRPr lang="en-US" dirty="0"/>
+          </a:p>
+          <a:p>
+            <a:endParaRPr lang="en-US" dirty="0"/>
+          </a:p>
+          <a:p>
+            <a:r>
+              <a:rPr lang="en-US" dirty="0"/>
+              <a:t>As you may have guessed, especially given prior slide, it gives us the manual page of the function</a:t>
             </a:r>
           </a:p>
         </p:txBody>
@@ -613,153 +629,7 @@
           <a:bodyPr/>
           <a:lstStyle/>
           <a:p>
-            <a:r>
-              <a:rPr lang="en-US" dirty="0"/>
-              <a:t>DESCRIPTION – Lots of “meta” information around the package</a:t>
-            </a:r>
-          </a:p>
-          <a:p>
-            <a:pPr marL="171450" indent="-171450">
-              <a:buFontTx/>
-              <a:buChar char="-"/>
-            </a:pPr>
-            <a:r>
-              <a:rPr lang="en-US" dirty="0"/>
-              <a:t>What the name of the package is, the version of the package, sentence summary and description</a:t>
-            </a:r>
-          </a:p>
-          <a:p>
-            <a:pPr marL="171450" indent="-171450">
-              <a:buFontTx/>
-              <a:buChar char="-"/>
-            </a:pPr>
-            <a:r>
-              <a:rPr lang="en-US" dirty="0"/>
-              <a:t>Who the authors and contributors are</a:t>
-            </a:r>
-          </a:p>
-          <a:p>
-            <a:pPr marL="171450" indent="-171450">
-              <a:buFontTx/>
-              <a:buChar char="-"/>
-            </a:pPr>
-            <a:r>
-              <a:rPr lang="en-US" dirty="0"/>
-              <a:t>Which packages this package Depends, Imports, Suggests, </a:t>
-            </a:r>
-            <a:r>
-              <a:rPr lang="en-US" dirty="0" err="1"/>
-              <a:t>etc</a:t>
-            </a:r>
-            <a:r>
-              <a:rPr lang="en-US" dirty="0"/>
-              <a:t> on</a:t>
-            </a:r>
-          </a:p>
-          <a:p>
-            <a:pPr marL="171450" indent="-171450">
-              <a:buFontTx/>
-              <a:buChar char="-"/>
-            </a:pPr>
-            <a:r>
-              <a:rPr lang="en-US" dirty="0"/>
-              <a:t>Any other software requirements</a:t>
-            </a:r>
-          </a:p>
-          <a:p>
-            <a:pPr marL="171450" indent="-171450">
-              <a:buFontTx/>
-              <a:buChar char="-"/>
-            </a:pPr>
             <a:endParaRPr lang="en-US" dirty="0"/>
-          </a:p>
-          <a:p>
-            <a:pPr marL="0" indent="0">
-              <a:buFontTx/>
-              <a:buNone/>
-            </a:pPr>
-            <a:r>
-              <a:rPr lang="en-US" dirty="0"/>
-              <a:t>NAMESPACE – How should R handle your package</a:t>
-            </a:r>
-          </a:p>
-          <a:p>
-            <a:pPr marL="171450" indent="-171450">
-              <a:buFontTx/>
-              <a:buChar char="-"/>
-            </a:pPr>
-            <a:r>
-              <a:rPr lang="en-US" dirty="0"/>
-              <a:t>Which of your functions should it share out?</a:t>
-            </a:r>
-          </a:p>
-          <a:p>
-            <a:pPr marL="171450" indent="-171450">
-              <a:buFontTx/>
-              <a:buChar char="-"/>
-            </a:pPr>
-            <a:r>
-              <a:rPr lang="en-US" dirty="0"/>
-              <a:t>Which methods did you write – behaviors of objects</a:t>
-            </a:r>
-          </a:p>
-          <a:p>
-            <a:pPr marL="171450" indent="-171450">
-              <a:buFontTx/>
-              <a:buChar char="-"/>
-            </a:pPr>
-            <a:r>
-              <a:rPr lang="en-US" dirty="0"/>
-              <a:t>Which functions from the other packages does it need to load</a:t>
-            </a:r>
-          </a:p>
-          <a:p>
-            <a:pPr marL="171450" indent="-171450">
-              <a:buFontTx/>
-              <a:buChar char="-"/>
-            </a:pPr>
-            <a:endParaRPr lang="en-US" dirty="0"/>
-          </a:p>
-          <a:p>
-            <a:pPr marL="0" indent="0">
-              <a:buFontTx/>
-              <a:buNone/>
-            </a:pPr>
-            <a:r>
-              <a:rPr lang="en-US" dirty="0"/>
-              <a:t>R Folder</a:t>
-            </a:r>
-          </a:p>
-          <a:p>
-            <a:pPr marL="171450" indent="-171450">
-              <a:buFontTx/>
-              <a:buChar char="-"/>
-            </a:pPr>
-            <a:r>
-              <a:rPr lang="en-US" dirty="0"/>
-              <a:t>Store all your R functions here!</a:t>
-            </a:r>
-          </a:p>
-          <a:p>
-            <a:pPr marL="171450" indent="-171450">
-              <a:buFontTx/>
-              <a:buChar char="-"/>
-            </a:pPr>
-            <a:endParaRPr lang="en-US" dirty="0"/>
-          </a:p>
-          <a:p>
-            <a:pPr marL="0" indent="0">
-              <a:buFontTx/>
-              <a:buNone/>
-            </a:pPr>
-            <a:r>
-              <a:rPr lang="en-US" dirty="0" err="1"/>
-              <a:t>Misc</a:t>
-            </a:r>
-            <a:r>
-              <a:rPr lang="en-US" dirty="0"/>
-              <a:t> files useful but not directly related to packages</a:t>
-            </a:r>
           </a:p>
         </p:txBody>
       </p:sp>
@@ -780,7 +650,7 @@
           <a:p>
             <a:fld id="{B9F26414-4BE6-427A-9F34-1430B41B92D6}" type="slidenum">
               <a:rPr lang="en-US" smtClean="0"/>
-              <a:t>15</a:t>
+              <a:t>13</a:t>
             </a:fld>
             <a:endParaRPr lang="en-US"/>
           </a:p>
@@ -789,7 +659,7 @@
     </p:spTree>
     <p:extLst>
       <p:ext uri="{BB962C8B-B14F-4D97-AF65-F5344CB8AC3E}">
-        <p14:creationId xmlns:p14="http://schemas.microsoft.com/office/powerpoint/2010/main" val="227292751"/>
+        <p14:creationId xmlns:p14="http://schemas.microsoft.com/office/powerpoint/2010/main" val="1338561504"/>
       </p:ext>
     </p:extLst>
   </p:cSld>
@@ -864,7 +734,7 @@
           <a:p>
             <a:fld id="{B9F26414-4BE6-427A-9F34-1430B41B92D6}" type="slidenum">
               <a:rPr lang="en-US" smtClean="0"/>
-              <a:t>16</a:t>
+              <a:t>14</a:t>
             </a:fld>
             <a:endParaRPr lang="en-US"/>
           </a:p>
@@ -873,7 +743,7 @@
     </p:spTree>
     <p:extLst>
       <p:ext uri="{BB962C8B-B14F-4D97-AF65-F5344CB8AC3E}">
-        <p14:creationId xmlns:p14="http://schemas.microsoft.com/office/powerpoint/2010/main" val="473283036"/>
+        <p14:creationId xmlns:p14="http://schemas.microsoft.com/office/powerpoint/2010/main" val="1424120722"/>
       </p:ext>
     </p:extLst>
   </p:cSld>
@@ -929,151 +799,29 @@
           <a:p>
             <a:r>
               <a:rPr lang="en-US" dirty="0"/>
-              <a:t>DESCRIPTION – Lots of “meta” information around the package</a:t>
-            </a:r>
-          </a:p>
-          <a:p>
-            <a:pPr marL="171450" indent="-171450">
-              <a:buFontTx/>
-              <a:buChar char="-"/>
-            </a:pPr>
+              <a:t>Vignettes are a way to check behavior has not changed, on top of unit testing, since they fail to build if </a:t>
+            </a:r>
+          </a:p>
+          <a:p>
+            <a:endParaRPr lang="en-US" dirty="0"/>
+          </a:p>
+          <a:p>
             <a:r>
               <a:rPr lang="en-US" dirty="0"/>
-              <a:t>What the name of the package is, the version of the package, sentence summary and description</a:t>
-            </a:r>
-          </a:p>
-          <a:p>
-            <a:pPr marL="171450" indent="-171450">
-              <a:buFontTx/>
-              <a:buChar char="-"/>
-            </a:pPr>
+              <a:t>If working from an Rmd – (which is suggested), easy as any other Rmd build</a:t>
+            </a:r>
+          </a:p>
+          <a:p>
+            <a:endParaRPr lang="en-US" dirty="0"/>
+          </a:p>
+          <a:p>
             <a:r>
               <a:rPr lang="en-US" dirty="0"/>
-              <a:t>Who the authors and contributors are</a:t>
-            </a:r>
-          </a:p>
-          <a:p>
-            <a:pPr marL="171450" indent="-171450">
-              <a:buFontTx/>
-              <a:buChar char="-"/>
-            </a:pPr>
-            <a:r>
-              <a:rPr lang="en-US" dirty="0"/>
-              <a:t>Which packages this package Depends, Imports, Suggests, </a:t>
-            </a:r>
-            <a:r>
-              <a:rPr lang="en-US" dirty="0" err="1"/>
-              <a:t>etc</a:t>
-            </a:r>
-            <a:r>
-              <a:rPr lang="en-US" dirty="0"/>
-              <a:t> on</a:t>
-            </a:r>
-          </a:p>
-          <a:p>
-            <a:pPr marL="171450" indent="-171450">
-              <a:buFontTx/>
-              <a:buChar char="-"/>
-            </a:pPr>
-            <a:r>
-              <a:rPr lang="en-US" dirty="0"/>
-              <a:t>Any other software requirements</a:t>
-            </a:r>
-          </a:p>
-          <a:p>
-            <a:pPr marL="171450" indent="-171450">
-              <a:buFontTx/>
-              <a:buChar char="-"/>
-            </a:pPr>
+              <a:t>Compiling will be discussed in the next piece</a:t>
+            </a:r>
+          </a:p>
+          <a:p>
             <a:endParaRPr lang="en-US" dirty="0"/>
-          </a:p>
-          <a:p>
-            <a:pPr marL="0" indent="0">
-              <a:buFontTx/>
-              <a:buNone/>
-            </a:pPr>
-            <a:r>
-              <a:rPr lang="en-US" dirty="0"/>
-              <a:t>NAMESPACE – How should R handle your package</a:t>
-            </a:r>
-          </a:p>
-          <a:p>
-            <a:pPr marL="171450" indent="-171450">
-              <a:buFontTx/>
-              <a:buChar char="-"/>
-            </a:pPr>
-            <a:r>
-              <a:rPr lang="en-US" dirty="0"/>
-              <a:t>Which of your functions should it share out?</a:t>
-            </a:r>
-          </a:p>
-          <a:p>
-            <a:pPr marL="171450" indent="-171450">
-              <a:buFontTx/>
-              <a:buChar char="-"/>
-            </a:pPr>
-            <a:r>
-              <a:rPr lang="en-US" dirty="0"/>
-              <a:t>Which methods did you write – behaviors of objects</a:t>
-            </a:r>
-          </a:p>
-          <a:p>
-            <a:pPr marL="171450" indent="-171450">
-              <a:buFontTx/>
-              <a:buChar char="-"/>
-            </a:pPr>
-            <a:r>
-              <a:rPr lang="en-US" dirty="0"/>
-              <a:t>Which functions from the other packages does it need to load</a:t>
-            </a:r>
-          </a:p>
-          <a:p>
-            <a:pPr marL="171450" indent="-171450">
-              <a:buFontTx/>
-              <a:buChar char="-"/>
-            </a:pPr>
-            <a:endParaRPr lang="en-US" dirty="0"/>
-          </a:p>
-          <a:p>
-            <a:pPr marL="0" indent="0">
-              <a:buFontTx/>
-              <a:buNone/>
-            </a:pPr>
-            <a:r>
-              <a:rPr lang="en-US" dirty="0"/>
-              <a:t>R Folder</a:t>
-            </a:r>
-          </a:p>
-          <a:p>
-            <a:pPr marL="171450" indent="-171450">
-              <a:buFontTx/>
-              <a:buChar char="-"/>
-            </a:pPr>
-            <a:r>
-              <a:rPr lang="en-US" dirty="0"/>
-              <a:t>Store all your R functions here!</a:t>
-            </a:r>
-          </a:p>
-          <a:p>
-            <a:pPr marL="171450" indent="-171450">
-              <a:buFontTx/>
-              <a:buChar char="-"/>
-            </a:pPr>
-            <a:endParaRPr lang="en-US" dirty="0"/>
-          </a:p>
-          <a:p>
-            <a:pPr marL="0" indent="0">
-              <a:buFontTx/>
-              <a:buNone/>
-            </a:pPr>
-            <a:r>
-              <a:rPr lang="en-US" dirty="0" err="1"/>
-              <a:t>Misc</a:t>
-            </a:r>
-            <a:r>
-              <a:rPr lang="en-US" dirty="0"/>
-              <a:t> files useful but not directly related to packages</a:t>
-            </a:r>
           </a:p>
         </p:txBody>
       </p:sp>
@@ -1094,7 +842,7 @@
           <a:p>
             <a:fld id="{B9F26414-4BE6-427A-9F34-1430B41B92D6}" type="slidenum">
               <a:rPr lang="en-US" smtClean="0"/>
-              <a:t>17</a:t>
+              <a:t>15</a:t>
             </a:fld>
             <a:endParaRPr lang="en-US"/>
           </a:p>
@@ -1103,7 +851,7 @@
     </p:spTree>
     <p:extLst>
       <p:ext uri="{BB962C8B-B14F-4D97-AF65-F5344CB8AC3E}">
-        <p14:creationId xmlns:p14="http://schemas.microsoft.com/office/powerpoint/2010/main" val="3306929963"/>
+        <p14:creationId xmlns:p14="http://schemas.microsoft.com/office/powerpoint/2010/main" val="995385350"/>
       </p:ext>
     </p:extLst>
   </p:cSld>
@@ -1157,22 +905,6 @@
           <a:bodyPr/>
           <a:lstStyle/>
           <a:p>
-            <a:r>
-              <a:rPr lang="en-US" dirty="0"/>
-              <a:t>We only covered a small % of the </a:t>
-            </a:r>
-            <a:r>
-              <a:rPr lang="en-US" dirty="0" err="1"/>
-              <a:t>functinos</a:t>
-            </a:r>
-            <a:r>
-              <a:rPr lang="en-US" dirty="0"/>
-              <a:t> available in </a:t>
-            </a:r>
-            <a:r>
-              <a:rPr lang="en-US" dirty="0" err="1"/>
-              <a:t>usethis</a:t>
-            </a:r>
             <a:endParaRPr lang="en-US" dirty="0"/>
           </a:p>
         </p:txBody>
@@ -1194,7 +926,7 @@
           <a:p>
             <a:fld id="{B9F26414-4BE6-427A-9F34-1430B41B92D6}" type="slidenum">
               <a:rPr lang="en-US" smtClean="0"/>
-              <a:t>18</a:t>
+              <a:t>16</a:t>
             </a:fld>
             <a:endParaRPr lang="en-US"/>
           </a:p>
@@ -1203,7 +935,7 @@
     </p:spTree>
     <p:extLst>
       <p:ext uri="{BB962C8B-B14F-4D97-AF65-F5344CB8AC3E}">
-        <p14:creationId xmlns:p14="http://schemas.microsoft.com/office/powerpoint/2010/main" val="1615122494"/>
+        <p14:creationId xmlns:p14="http://schemas.microsoft.com/office/powerpoint/2010/main" val="924077293"/>
       </p:ext>
     </p:extLst>
   </p:cSld>
@@ -1259,8 +991,187 @@
           <a:p>
             <a:r>
               <a:rPr lang="en-US" dirty="0"/>
-              <a:t>Now its your turn! We’ll give you 8 Minutes!</a:t>
-            </a:r>
+              <a:t>Runs checks for compatibility and best practices</a:t>
+            </a:r>
+          </a:p>
+        </p:txBody>
+      </p:sp>
+      <p:sp>
+        <p:nvSpPr>
+          <p:cNvPr id="4" name="Slide Number Placeholder 3"/>
+          <p:cNvSpPr>
+            <a:spLocks noGrp="1"/>
+          </p:cNvSpPr>
+          <p:nvPr>
+            <p:ph type="sldNum" sz="quarter" idx="5"/>
+          </p:nvPr>
+        </p:nvSpPr>
+        <p:spPr/>
+        <p:txBody>
+          <a:bodyPr/>
+          <a:lstStyle/>
+          <a:p>
+            <a:fld id="{B9F26414-4BE6-427A-9F34-1430B41B92D6}" type="slidenum">
+              <a:rPr lang="en-US" smtClean="0"/>
+              <a:t>17</a:t>
+            </a:fld>
+            <a:endParaRPr lang="en-US"/>
+          </a:p>
+        </p:txBody>
+      </p:sp>
+    </p:spTree>
+    <p:extLst>
+      <p:ext uri="{BB962C8B-B14F-4D97-AF65-F5344CB8AC3E}">
+        <p14:creationId xmlns:p14="http://schemas.microsoft.com/office/powerpoint/2010/main" val="1335159911"/>
+      </p:ext>
+    </p:extLst>
+  </p:cSld>
+  <p:clrMapOvr>
+    <a:masterClrMapping/>
+  </p:clrMapOvr>
+</p:notes>
+</file>
+
+<file path=ppt/notesSlides/notesSlide15.xml><?xml version="1.0" encoding="utf-8"?>
+<p:notes xmlns:a="http://schemas.openxmlformats.org/drawingml/2006/main" xmlns:r="http://schemas.openxmlformats.org/officeDocument/2006/relationships" xmlns:p="http://schemas.openxmlformats.org/presentationml/2006/main">
+  <p:cSld>
+    <p:spTree>
+      <p:nvGrpSpPr>
+        <p:cNvPr id="1" name=""/>
+        <p:cNvGrpSpPr/>
+        <p:nvPr/>
+      </p:nvGrpSpPr>
+      <p:grpSpPr>
+        <a:xfrm>
+          <a:off x="0" y="0"/>
+          <a:ext cx="0" cy="0"/>
+          <a:chOff x="0" y="0"/>
+          <a:chExt cx="0" cy="0"/>
+        </a:xfrm>
+      </p:grpSpPr>
+      <p:sp>
+        <p:nvSpPr>
+          <p:cNvPr id="2" name="Slide Image Placeholder 1"/>
+          <p:cNvSpPr>
+            <a:spLocks noGrp="1" noRot="1" noChangeAspect="1"/>
+          </p:cNvSpPr>
+          <p:nvPr>
+            <p:ph type="sldImg"/>
+          </p:nvPr>
+        </p:nvSpPr>
+        <p:spPr/>
+      </p:sp>
+      <p:sp>
+        <p:nvSpPr>
+          <p:cNvPr id="3" name="Notes Placeholder 2"/>
+          <p:cNvSpPr>
+            <a:spLocks noGrp="1"/>
+          </p:cNvSpPr>
+          <p:nvPr>
+            <p:ph type="body" idx="1"/>
+          </p:nvPr>
+        </p:nvSpPr>
+        <p:spPr/>
+        <p:txBody>
+          <a:bodyPr/>
+          <a:lstStyle/>
+          <a:p>
+            <a:r>
+              <a:rPr lang="en-US" dirty="0"/>
+              <a:t>Can run this through </a:t>
+            </a:r>
+            <a:r>
+              <a:rPr lang="en-US" dirty="0" err="1"/>
+              <a:t>rstudio</a:t>
+            </a:r>
+            <a:r>
+              <a:rPr lang="en-US" dirty="0"/>
+              <a:t> when building a package in the “build” pane</a:t>
+            </a:r>
+          </a:p>
+        </p:txBody>
+      </p:sp>
+      <p:sp>
+        <p:nvSpPr>
+          <p:cNvPr id="4" name="Slide Number Placeholder 3"/>
+          <p:cNvSpPr>
+            <a:spLocks noGrp="1"/>
+          </p:cNvSpPr>
+          <p:nvPr>
+            <p:ph type="sldNum" sz="quarter" idx="5"/>
+          </p:nvPr>
+        </p:nvSpPr>
+        <p:spPr/>
+        <p:txBody>
+          <a:bodyPr/>
+          <a:lstStyle/>
+          <a:p>
+            <a:fld id="{B9F26414-4BE6-427A-9F34-1430B41B92D6}" type="slidenum">
+              <a:rPr lang="en-US" smtClean="0"/>
+              <a:t>18</a:t>
+            </a:fld>
+            <a:endParaRPr lang="en-US"/>
+          </a:p>
+        </p:txBody>
+      </p:sp>
+    </p:spTree>
+    <p:extLst>
+      <p:ext uri="{BB962C8B-B14F-4D97-AF65-F5344CB8AC3E}">
+        <p14:creationId xmlns:p14="http://schemas.microsoft.com/office/powerpoint/2010/main" val="3202851378"/>
+      </p:ext>
+    </p:extLst>
+  </p:cSld>
+  <p:clrMapOvr>
+    <a:masterClrMapping/>
+  </p:clrMapOvr>
+</p:notes>
+</file>
+
+<file path=ppt/notesSlides/notesSlide16.xml><?xml version="1.0" encoding="utf-8"?>
+<p:notes xmlns:a="http://schemas.openxmlformats.org/drawingml/2006/main" xmlns:r="http://schemas.openxmlformats.org/officeDocument/2006/relationships" xmlns:p="http://schemas.openxmlformats.org/presentationml/2006/main">
+  <p:cSld>
+    <p:spTree>
+      <p:nvGrpSpPr>
+        <p:cNvPr id="1" name=""/>
+        <p:cNvGrpSpPr/>
+        <p:nvPr/>
+      </p:nvGrpSpPr>
+      <p:grpSpPr>
+        <a:xfrm>
+          <a:off x="0" y="0"/>
+          <a:ext cx="0" cy="0"/>
+          <a:chOff x="0" y="0"/>
+          <a:chExt cx="0" cy="0"/>
+        </a:xfrm>
+      </p:grpSpPr>
+      <p:sp>
+        <p:nvSpPr>
+          <p:cNvPr id="2" name="Slide Image Placeholder 1"/>
+          <p:cNvSpPr>
+            <a:spLocks noGrp="1" noRot="1" noChangeAspect="1"/>
+          </p:cNvSpPr>
+          <p:nvPr>
+            <p:ph type="sldImg"/>
+          </p:nvPr>
+        </p:nvSpPr>
+        <p:spPr/>
+      </p:sp>
+      <p:sp>
+        <p:nvSpPr>
+          <p:cNvPr id="3" name="Notes Placeholder 2"/>
+          <p:cNvSpPr>
+            <a:spLocks noGrp="1"/>
+          </p:cNvSpPr>
+          <p:nvPr>
+            <p:ph type="body" idx="1"/>
+          </p:nvPr>
+        </p:nvSpPr>
+        <p:spPr/>
+        <p:txBody>
+          <a:bodyPr/>
+          <a:lstStyle/>
+          <a:p>
+            <a:endParaRPr lang="en-US" dirty="0"/>
           </a:p>
         </p:txBody>
       </p:sp>
@@ -1282,6 +1193,188 @@
             <a:fld id="{B9F26414-4BE6-427A-9F34-1430B41B92D6}" type="slidenum">
               <a:rPr lang="en-US" smtClean="0"/>
               <a:t>19</a:t>
+            </a:fld>
+            <a:endParaRPr lang="en-US"/>
+          </a:p>
+        </p:txBody>
+      </p:sp>
+    </p:spTree>
+    <p:extLst>
+      <p:ext uri="{BB962C8B-B14F-4D97-AF65-F5344CB8AC3E}">
+        <p14:creationId xmlns:p14="http://schemas.microsoft.com/office/powerpoint/2010/main" val="2843661136"/>
+      </p:ext>
+    </p:extLst>
+  </p:cSld>
+  <p:clrMapOvr>
+    <a:masterClrMapping/>
+  </p:clrMapOvr>
+</p:notes>
+</file>
+
+<file path=ppt/notesSlides/notesSlide17.xml><?xml version="1.0" encoding="utf-8"?>
+<p:notes xmlns:a="http://schemas.openxmlformats.org/drawingml/2006/main" xmlns:r="http://schemas.openxmlformats.org/officeDocument/2006/relationships" xmlns:p="http://schemas.openxmlformats.org/presentationml/2006/main">
+  <p:cSld>
+    <p:spTree>
+      <p:nvGrpSpPr>
+        <p:cNvPr id="1" name=""/>
+        <p:cNvGrpSpPr/>
+        <p:nvPr/>
+      </p:nvGrpSpPr>
+      <p:grpSpPr>
+        <a:xfrm>
+          <a:off x="0" y="0"/>
+          <a:ext cx="0" cy="0"/>
+          <a:chOff x="0" y="0"/>
+          <a:chExt cx="0" cy="0"/>
+        </a:xfrm>
+      </p:grpSpPr>
+      <p:sp>
+        <p:nvSpPr>
+          <p:cNvPr id="2" name="Slide Image Placeholder 1"/>
+          <p:cNvSpPr>
+            <a:spLocks noGrp="1" noRot="1" noChangeAspect="1"/>
+          </p:cNvSpPr>
+          <p:nvPr>
+            <p:ph type="sldImg"/>
+          </p:nvPr>
+        </p:nvSpPr>
+        <p:spPr/>
+      </p:sp>
+      <p:sp>
+        <p:nvSpPr>
+          <p:cNvPr id="3" name="Notes Placeholder 2"/>
+          <p:cNvSpPr>
+            <a:spLocks noGrp="1"/>
+          </p:cNvSpPr>
+          <p:nvPr>
+            <p:ph type="body" idx="1"/>
+          </p:nvPr>
+        </p:nvSpPr>
+        <p:spPr/>
+        <p:txBody>
+          <a:bodyPr/>
+          <a:lstStyle/>
+          <a:p>
+            <a:r>
+              <a:rPr lang="en-US" dirty="0"/>
+              <a:t>We only covered a small % of the functions available in </a:t>
+            </a:r>
+            <a:r>
+              <a:rPr lang="en-US" dirty="0" err="1"/>
+              <a:t>devtools</a:t>
+            </a:r>
+            <a:r>
+              <a:rPr lang="en-US" dirty="0"/>
+              <a:t>, and are not going to go into advanced topics around including other languages, etc.</a:t>
+            </a:r>
+          </a:p>
+        </p:txBody>
+      </p:sp>
+      <p:sp>
+        <p:nvSpPr>
+          <p:cNvPr id="4" name="Slide Number Placeholder 3"/>
+          <p:cNvSpPr>
+            <a:spLocks noGrp="1"/>
+          </p:cNvSpPr>
+          <p:nvPr>
+            <p:ph type="sldNum" sz="quarter" idx="5"/>
+          </p:nvPr>
+        </p:nvSpPr>
+        <p:spPr/>
+        <p:txBody>
+          <a:bodyPr/>
+          <a:lstStyle/>
+          <a:p>
+            <a:fld id="{B9F26414-4BE6-427A-9F34-1430B41B92D6}" type="slidenum">
+              <a:rPr lang="en-US" smtClean="0"/>
+              <a:t>20</a:t>
+            </a:fld>
+            <a:endParaRPr lang="en-US"/>
+          </a:p>
+        </p:txBody>
+      </p:sp>
+    </p:spTree>
+    <p:extLst>
+      <p:ext uri="{BB962C8B-B14F-4D97-AF65-F5344CB8AC3E}">
+        <p14:creationId xmlns:p14="http://schemas.microsoft.com/office/powerpoint/2010/main" val="1615122494"/>
+      </p:ext>
+    </p:extLst>
+  </p:cSld>
+  <p:clrMapOvr>
+    <a:masterClrMapping/>
+  </p:clrMapOvr>
+</p:notes>
+</file>
+
+<file path=ppt/notesSlides/notesSlide18.xml><?xml version="1.0" encoding="utf-8"?>
+<p:notes xmlns:a="http://schemas.openxmlformats.org/drawingml/2006/main" xmlns:r="http://schemas.openxmlformats.org/officeDocument/2006/relationships" xmlns:p="http://schemas.openxmlformats.org/presentationml/2006/main">
+  <p:cSld>
+    <p:spTree>
+      <p:nvGrpSpPr>
+        <p:cNvPr id="1" name=""/>
+        <p:cNvGrpSpPr/>
+        <p:nvPr/>
+      </p:nvGrpSpPr>
+      <p:grpSpPr>
+        <a:xfrm>
+          <a:off x="0" y="0"/>
+          <a:ext cx="0" cy="0"/>
+          <a:chOff x="0" y="0"/>
+          <a:chExt cx="0" cy="0"/>
+        </a:xfrm>
+      </p:grpSpPr>
+      <p:sp>
+        <p:nvSpPr>
+          <p:cNvPr id="2" name="Slide Image Placeholder 1"/>
+          <p:cNvSpPr>
+            <a:spLocks noGrp="1" noRot="1" noChangeAspect="1"/>
+          </p:cNvSpPr>
+          <p:nvPr>
+            <p:ph type="sldImg"/>
+          </p:nvPr>
+        </p:nvSpPr>
+        <p:spPr/>
+      </p:sp>
+      <p:sp>
+        <p:nvSpPr>
+          <p:cNvPr id="3" name="Notes Placeholder 2"/>
+          <p:cNvSpPr>
+            <a:spLocks noGrp="1"/>
+          </p:cNvSpPr>
+          <p:nvPr>
+            <p:ph type="body" idx="1"/>
+          </p:nvPr>
+        </p:nvSpPr>
+        <p:spPr/>
+        <p:txBody>
+          <a:bodyPr/>
+          <a:lstStyle/>
+          <a:p>
+            <a:r>
+              <a:rPr lang="en-US" dirty="0"/>
+              <a:t>Now its your turn! We’ll give you 8 Minutes!</a:t>
+            </a:r>
+          </a:p>
+        </p:txBody>
+      </p:sp>
+      <p:sp>
+        <p:nvSpPr>
+          <p:cNvPr id="4" name="Slide Number Placeholder 3"/>
+          <p:cNvSpPr>
+            <a:spLocks noGrp="1"/>
+          </p:cNvSpPr>
+          <p:nvPr>
+            <p:ph type="sldNum" sz="quarter" idx="5"/>
+          </p:nvPr>
+        </p:nvSpPr>
+        <p:spPr/>
+        <p:txBody>
+          <a:bodyPr/>
+          <a:lstStyle/>
+          <a:p>
+            <a:fld id="{B9F26414-4BE6-427A-9F34-1430B41B92D6}" type="slidenum">
+              <a:rPr lang="en-US" smtClean="0"/>
+              <a:t>21</a:t>
             </a:fld>
             <a:endParaRPr lang="en-US"/>
           </a:p>
@@ -1344,6 +1437,33 @@
           <a:bodyPr/>
           <a:lstStyle/>
           <a:p>
+            <a:r>
+              <a:rPr lang="en-US" dirty="0"/>
+              <a:t>What is a function manual</a:t>
+            </a:r>
+          </a:p>
+          <a:p>
+            <a:endParaRPr lang="en-US" dirty="0"/>
+          </a:p>
+          <a:p>
+            <a:r>
+              <a:rPr lang="en-US" dirty="0"/>
+              <a:t>What does a function manual contain?</a:t>
+            </a:r>
+          </a:p>
+          <a:p>
+            <a:endParaRPr lang="en-US" dirty="0"/>
+          </a:p>
+          <a:p>
+            <a:r>
+              <a:rPr lang="en-US" dirty="0"/>
+              <a:t>What is the value of a manual</a:t>
+            </a:r>
+          </a:p>
+          <a:p>
+            <a:endParaRPr lang="en-US" dirty="0"/>
+          </a:p>
+          <a:p>
             <a:endParaRPr lang="en-US" dirty="0"/>
           </a:p>
         </p:txBody>
@@ -1365,7 +1485,7 @@
           <a:p>
             <a:fld id="{B9F26414-4BE6-427A-9F34-1430B41B92D6}" type="slidenum">
               <a:rPr lang="en-US" smtClean="0"/>
-              <a:t>6</a:t>
+              <a:t>5</a:t>
             </a:fld>
             <a:endParaRPr lang="en-US"/>
           </a:p>
@@ -1374,7 +1494,7 @@
     </p:spTree>
     <p:extLst>
       <p:ext uri="{BB962C8B-B14F-4D97-AF65-F5344CB8AC3E}">
-        <p14:creationId xmlns:p14="http://schemas.microsoft.com/office/powerpoint/2010/main" val="1042987051"/>
+        <p14:creationId xmlns:p14="http://schemas.microsoft.com/office/powerpoint/2010/main" val="2074539966"/>
       </p:ext>
     </p:extLst>
   </p:cSld>
@@ -1428,7 +1548,89 @@
           <a:bodyPr/>
           <a:lstStyle/>
           <a:p>
+            <a:r>
+              <a:rPr lang="en-US" dirty="0"/>
+              <a:t>Raw manual documents live within the /man folder</a:t>
+            </a:r>
+          </a:p>
+          <a:p>
             <a:endParaRPr lang="en-US" dirty="0"/>
+          </a:p>
+          <a:p>
+            <a:pPr marL="171450" indent="-171450">
+              <a:buFontTx/>
+              <a:buChar char="-"/>
+            </a:pPr>
+            <a:r>
+              <a:rPr lang="en-US" dirty="0"/>
+              <a:t>Short for manual</a:t>
+            </a:r>
+          </a:p>
+          <a:p>
+            <a:pPr marL="171450" indent="-171450">
+              <a:buFontTx/>
+              <a:buChar char="-"/>
+            </a:pPr>
+            <a:endParaRPr lang="en-US" dirty="0"/>
+          </a:p>
+          <a:p>
+            <a:pPr marL="171450" indent="-171450">
+              <a:buFontTx/>
+              <a:buChar char="-"/>
+            </a:pPr>
+            <a:r>
+              <a:rPr lang="en-US" dirty="0"/>
+              <a:t>Special “Rd” markdown format – R Documentation</a:t>
+            </a:r>
+          </a:p>
+          <a:p>
+            <a:pPr marL="171450" indent="-171450">
+              <a:buFontTx/>
+              <a:buChar char="-"/>
+            </a:pPr>
+            <a:endParaRPr lang="en-US" dirty="0"/>
+          </a:p>
+          <a:p>
+            <a:pPr marL="171450" indent="-171450">
+              <a:buFontTx/>
+              <a:buChar char="-"/>
+            </a:pPr>
+            <a:r>
+              <a:rPr lang="en-US" dirty="0"/>
+              <a:t>Reads similar to LaTeX, but may allow for other input formats inside of it</a:t>
+            </a:r>
+          </a:p>
+          <a:p>
+            <a:pPr marL="628650" lvl="1" indent="-171450">
+              <a:buFontTx/>
+              <a:buChar char="-"/>
+            </a:pPr>
+            <a:r>
+              <a:rPr lang="en-US" dirty="0"/>
+              <a:t>Key words with “\” ahead to drive linking </a:t>
+            </a:r>
+            <a:r>
+              <a:rPr lang="en-US" dirty="0" err="1"/>
+              <a:t>etc</a:t>
+            </a:r>
+            <a:endParaRPr lang="en-US" dirty="0"/>
+          </a:p>
+          <a:p>
+            <a:pPr marL="628650" lvl="1" indent="-171450">
+              <a:buFontTx/>
+              <a:buChar char="-"/>
+            </a:pPr>
+            <a:endParaRPr lang="en-US" dirty="0"/>
+          </a:p>
+          <a:p>
+            <a:pPr marL="171450" lvl="0" indent="-171450">
+              <a:buFontTx/>
+              <a:buChar char="-"/>
+            </a:pPr>
+            <a:r>
+              <a:rPr lang="en-US" dirty="0"/>
+              <a:t>Stored and maintained separately from the package</a:t>
+            </a:r>
           </a:p>
         </p:txBody>
       </p:sp>
@@ -1449,7 +1651,7 @@
           <a:p>
             <a:fld id="{B9F26414-4BE6-427A-9F34-1430B41B92D6}" type="slidenum">
               <a:rPr lang="en-US" smtClean="0"/>
-              <a:t>7</a:t>
+              <a:t>6</a:t>
             </a:fld>
             <a:endParaRPr lang="en-US"/>
           </a:p>
@@ -1458,7 +1660,7 @@
     </p:spTree>
     <p:extLst>
       <p:ext uri="{BB962C8B-B14F-4D97-AF65-F5344CB8AC3E}">
-        <p14:creationId xmlns:p14="http://schemas.microsoft.com/office/powerpoint/2010/main" val="501318120"/>
+        <p14:creationId xmlns:p14="http://schemas.microsoft.com/office/powerpoint/2010/main" val="3449147247"/>
       </p:ext>
     </p:extLst>
   </p:cSld>
@@ -1512,6 +1714,93 @@
           <a:bodyPr/>
           <a:lstStyle/>
           <a:p>
+            <a:r>
+              <a:rPr lang="en-US" dirty="0"/>
+              <a:t>Roxygen2 package</a:t>
+            </a:r>
+          </a:p>
+          <a:p>
+            <a:pPr marL="171450" indent="-171450">
+              <a:buFontTx/>
+              <a:buChar char="-"/>
+            </a:pPr>
+            <a:r>
+              <a:rPr lang="en-US" dirty="0"/>
+              <a:t>Allows users to write their documentation WITHIN the R code</a:t>
+            </a:r>
+          </a:p>
+          <a:p>
+            <a:pPr marL="171450" indent="-171450">
+              <a:buFontTx/>
+              <a:buChar char="-"/>
+            </a:pPr>
+            <a:r>
+              <a:rPr lang="en-US" dirty="0"/>
+              <a:t>Specially formatted comments “#’ @argument”</a:t>
+            </a:r>
+          </a:p>
+          <a:p>
+            <a:pPr marL="171450" indent="-171450">
+              <a:buFontTx/>
+              <a:buChar char="-"/>
+            </a:pPr>
+            <a:r>
+              <a:rPr lang="en-US" dirty="0"/>
+              <a:t>Roxygen2 parses the source code and _generates_ the Rd files automagically for you</a:t>
+            </a:r>
+          </a:p>
+          <a:p>
+            <a:pPr marL="171450" indent="-171450">
+              <a:buFontTx/>
+              <a:buChar char="-"/>
+            </a:pPr>
+            <a:r>
+              <a:rPr lang="en-US" dirty="0"/>
+              <a:t>Reduces knowledge required to generate proper documentation</a:t>
+            </a:r>
+          </a:p>
+          <a:p>
+            <a:pPr marL="0" indent="0">
+              <a:buFontTx/>
+              <a:buNone/>
+            </a:pPr>
+            <a:endParaRPr lang="en-US" dirty="0"/>
+          </a:p>
+          <a:p>
+            <a:pPr marL="0" indent="0">
+              <a:buFontTx/>
+              <a:buNone/>
+            </a:pPr>
+            <a:r>
+              <a:rPr lang="en-US" dirty="0"/>
+              <a:t>- Working in </a:t>
+            </a:r>
+            <a:r>
+              <a:rPr lang="en-US" dirty="0" err="1"/>
+              <a:t>Rstudio</a:t>
+            </a:r>
+            <a:r>
+              <a:rPr lang="en-US" dirty="0"/>
+              <a:t> </a:t>
+            </a:r>
+            <a:r>
+              <a:rPr lang="en-US"/>
+              <a:t>means iof</a:t>
+            </a:r>
+            <a:endParaRPr lang="en-US" dirty="0"/>
+          </a:p>
+          <a:p>
+            <a:pPr marL="171450" indent="-171450">
+              <a:buFontTx/>
+              <a:buChar char="-"/>
+            </a:pPr>
+            <a:endParaRPr lang="en-US" dirty="0"/>
+          </a:p>
+          <a:p>
+            <a:pPr marL="171450" indent="-171450">
+              <a:buFontTx/>
+              <a:buChar char="-"/>
+            </a:pPr>
             <a:endParaRPr lang="en-US" dirty="0"/>
           </a:p>
         </p:txBody>
@@ -1533,7 +1822,7 @@
           <a:p>
             <a:fld id="{B9F26414-4BE6-427A-9F34-1430B41B92D6}" type="slidenum">
               <a:rPr lang="en-US" smtClean="0"/>
-              <a:t>9</a:t>
+              <a:t>7</a:t>
             </a:fld>
             <a:endParaRPr lang="en-US"/>
           </a:p>
@@ -1542,7 +1831,7 @@
     </p:spTree>
     <p:extLst>
       <p:ext uri="{BB962C8B-B14F-4D97-AF65-F5344CB8AC3E}">
-        <p14:creationId xmlns:p14="http://schemas.microsoft.com/office/powerpoint/2010/main" val="662457425"/>
+        <p14:creationId xmlns:p14="http://schemas.microsoft.com/office/powerpoint/2010/main" val="1042987051"/>
       </p:ext>
     </p:extLst>
   </p:cSld>
@@ -1617,7 +1906,7 @@
           <a:p>
             <a:fld id="{B9F26414-4BE6-427A-9F34-1430B41B92D6}" type="slidenum">
               <a:rPr lang="en-US" smtClean="0"/>
-              <a:t>10</a:t>
+              <a:t>8</a:t>
             </a:fld>
             <a:endParaRPr lang="en-US"/>
           </a:p>
@@ -1626,7 +1915,7 @@
     </p:spTree>
     <p:extLst>
       <p:ext uri="{BB962C8B-B14F-4D97-AF65-F5344CB8AC3E}">
-        <p14:creationId xmlns:p14="http://schemas.microsoft.com/office/powerpoint/2010/main" val="924077293"/>
+        <p14:creationId xmlns:p14="http://schemas.microsoft.com/office/powerpoint/2010/main" val="531962898"/>
       </p:ext>
     </p:extLst>
   </p:cSld>
@@ -1701,7 +1990,7 @@
           <a:p>
             <a:fld id="{B9F26414-4BE6-427A-9F34-1430B41B92D6}" type="slidenum">
               <a:rPr lang="en-US" smtClean="0"/>
-              <a:t>11</a:t>
+              <a:t>9</a:t>
             </a:fld>
             <a:endParaRPr lang="en-US"/>
           </a:p>
@@ -1710,7 +1999,7 @@
     </p:spTree>
     <p:extLst>
       <p:ext uri="{BB962C8B-B14F-4D97-AF65-F5344CB8AC3E}">
-        <p14:creationId xmlns:p14="http://schemas.microsoft.com/office/powerpoint/2010/main" val="2843661136"/>
+        <p14:creationId xmlns:p14="http://schemas.microsoft.com/office/powerpoint/2010/main" val="2163722311"/>
       </p:ext>
     </p:extLst>
   </p:cSld>
@@ -1766,13 +2055,7 @@
           <a:p>
             <a:r>
               <a:rPr lang="en-US" dirty="0"/>
-              <a:t>Creates a package folder with a _recommended_ set of files</a:t>
-            </a:r>
-          </a:p>
-          <a:p>
-            <a:r>
-              <a:rPr lang="en-US" dirty="0"/>
-              <a:t>- De</a:t>
+              <a:t>AKA Long form documentation</a:t>
             </a:r>
           </a:p>
           <a:p>
@@ -1797,7 +2080,7 @@
           <a:p>
             <a:fld id="{B9F26414-4BE6-427A-9F34-1430B41B92D6}" type="slidenum">
               <a:rPr lang="en-US" smtClean="0"/>
-              <a:t>12</a:t>
+              <a:t>10</a:t>
             </a:fld>
             <a:endParaRPr lang="en-US"/>
           </a:p>
@@ -1806,7 +2089,7 @@
     </p:spTree>
     <p:extLst>
       <p:ext uri="{BB962C8B-B14F-4D97-AF65-F5344CB8AC3E}">
-        <p14:creationId xmlns:p14="http://schemas.microsoft.com/office/powerpoint/2010/main" val="2392307876"/>
+        <p14:creationId xmlns:p14="http://schemas.microsoft.com/office/powerpoint/2010/main" val="880762840"/>
       </p:ext>
     </p:extLst>
   </p:cSld>
@@ -1860,153 +2143,150 @@
           <a:bodyPr/>
           <a:lstStyle/>
           <a:p>
+            <a:pPr marL="0" marR="0" lvl="0" indent="0" algn="l" defTabSz="914400" rtl="0" eaLnBrk="1" fontAlgn="auto" latinLnBrk="0" hangingPunct="1">
+              <a:lnSpc>
+                <a:spcPct val="100000"/>
+              </a:lnSpc>
+              <a:spcBef>
+                <a:spcPts val="0"/>
+              </a:spcBef>
+              <a:spcAft>
+                <a:spcPts val="0"/>
+              </a:spcAft>
+              <a:buClrTx/>
+              <a:buSzTx/>
+              <a:buFontTx/>
+              <a:buNone/>
+              <a:tabLst/>
+              <a:defRPr/>
+            </a:pPr>
             <a:r>
               <a:rPr lang="en-US" dirty="0"/>
-              <a:t>DESCRIPTION – Lots of “meta” information around the package</a:t>
-            </a:r>
-          </a:p>
-          <a:p>
-            <a:pPr marL="171450" indent="-171450">
+              <a:t>Or Think of it as the instructions manual for your package</a:t>
+            </a:r>
+          </a:p>
+          <a:p>
+            <a:pPr marL="171450" marR="0" lvl="0" indent="-171450" algn="l" defTabSz="914400" rtl="0" eaLnBrk="1" fontAlgn="auto" latinLnBrk="0" hangingPunct="1">
+              <a:lnSpc>
+                <a:spcPct val="100000"/>
+              </a:lnSpc>
+              <a:spcBef>
+                <a:spcPts val="0"/>
+              </a:spcBef>
+              <a:spcAft>
+                <a:spcPts val="0"/>
+              </a:spcAft>
+              <a:buClrTx/>
+              <a:buSzTx/>
               <a:buFontTx/>
               <a:buChar char="-"/>
+              <a:tabLst/>
+              <a:defRPr/>
             </a:pPr>
             <a:r>
               <a:rPr lang="en-US" dirty="0"/>
-              <a:t>What the name of the package is, the version of the package, sentence summary and description</a:t>
-            </a:r>
-          </a:p>
-          <a:p>
-            <a:pPr marL="171450" indent="-171450">
+              <a:t>What are the various expected work flows</a:t>
+            </a:r>
+          </a:p>
+          <a:p>
+            <a:pPr marL="171450" marR="0" lvl="0" indent="-171450" algn="l" defTabSz="914400" rtl="0" eaLnBrk="1" fontAlgn="auto" latinLnBrk="0" hangingPunct="1">
+              <a:lnSpc>
+                <a:spcPct val="100000"/>
+              </a:lnSpc>
+              <a:spcBef>
+                <a:spcPts val="0"/>
+              </a:spcBef>
+              <a:spcAft>
+                <a:spcPts val="0"/>
+              </a:spcAft>
+              <a:buClrTx/>
+              <a:buSzTx/>
               <a:buFontTx/>
               <a:buChar char="-"/>
+              <a:tabLst/>
+              <a:defRPr/>
             </a:pPr>
             <a:r>
               <a:rPr lang="en-US" dirty="0"/>
-              <a:t>Who the authors and contributors are</a:t>
-            </a:r>
-          </a:p>
-          <a:p>
-            <a:pPr marL="171450" indent="-171450">
+              <a:t>How does the algorithm work </a:t>
+            </a:r>
+            <a:r>
+              <a:rPr lang="en-US" dirty="0" err="1"/>
+              <a:t>inder</a:t>
+            </a:r>
+            <a:r>
+              <a:rPr lang="en-US" dirty="0"/>
+              <a:t> the hood</a:t>
+            </a:r>
+          </a:p>
+          <a:p>
+            <a:pPr marL="171450" marR="0" lvl="0" indent="-171450" algn="l" defTabSz="914400" rtl="0" eaLnBrk="1" fontAlgn="auto" latinLnBrk="0" hangingPunct="1">
+              <a:lnSpc>
+                <a:spcPct val="100000"/>
+              </a:lnSpc>
+              <a:spcBef>
+                <a:spcPts val="0"/>
+              </a:spcBef>
+              <a:spcAft>
+                <a:spcPts val="0"/>
+              </a:spcAft>
+              <a:buClrTx/>
+              <a:buSzTx/>
               <a:buFontTx/>
               <a:buChar char="-"/>
+              <a:tabLst/>
+              <a:defRPr/>
             </a:pPr>
             <a:r>
               <a:rPr lang="en-US" dirty="0"/>
-              <a:t>Which packages this package Depends, Imports, Suggests, </a:t>
-            </a:r>
-            <a:r>
-              <a:rPr lang="en-US" dirty="0" err="1"/>
-              <a:t>etc</a:t>
-            </a:r>
-            <a:r>
-              <a:rPr lang="en-US" dirty="0"/>
-              <a:t> on</a:t>
-            </a:r>
-          </a:p>
-          <a:p>
-            <a:pPr marL="171450" indent="-171450">
+              <a:t>Which functions are supposed to work together</a:t>
+            </a:r>
+          </a:p>
+          <a:p>
+            <a:pPr marL="171450" marR="0" lvl="0" indent="-171450" algn="l" defTabSz="914400" rtl="0" eaLnBrk="1" fontAlgn="auto" latinLnBrk="0" hangingPunct="1">
+              <a:lnSpc>
+                <a:spcPct val="100000"/>
+              </a:lnSpc>
+              <a:spcBef>
+                <a:spcPts val="0"/>
+              </a:spcBef>
+              <a:spcAft>
+                <a:spcPts val="0"/>
+              </a:spcAft>
+              <a:buClrTx/>
+              <a:buSzTx/>
               <a:buFontTx/>
               <a:buChar char="-"/>
-            </a:pPr>
-            <a:r>
-              <a:rPr lang="en-US" dirty="0"/>
-              <a:t>Any other software requirements</a:t>
-            </a:r>
-          </a:p>
-          <a:p>
-            <a:pPr marL="171450" indent="-171450">
-              <a:buFontTx/>
-              <a:buChar char="-"/>
+              <a:tabLst/>
+              <a:defRPr/>
             </a:pPr>
             <a:endParaRPr lang="en-US" dirty="0"/>
           </a:p>
           <a:p>
-            <a:pPr marL="0" indent="0">
+            <a:pPr marL="0" marR="0" lvl="0" indent="0" algn="l" defTabSz="914400" rtl="0" eaLnBrk="1" fontAlgn="auto" latinLnBrk="0" hangingPunct="1">
+              <a:lnSpc>
+                <a:spcPct val="100000"/>
+              </a:lnSpc>
+              <a:spcBef>
+                <a:spcPts val="0"/>
+              </a:spcBef>
+              <a:spcAft>
+                <a:spcPts val="0"/>
+              </a:spcAft>
+              <a:buClrTx/>
+              <a:buSzTx/>
               <a:buFontTx/>
               <a:buNone/>
+              <a:tabLst/>
+              <a:defRPr/>
             </a:pPr>
             <a:r>
               <a:rPr lang="en-US" dirty="0"/>
-              <a:t>NAMESPACE – How should R handle your package</a:t>
-            </a:r>
-          </a:p>
-          <a:p>
-            <a:pPr marL="171450" indent="-171450">
-              <a:buFontTx/>
-              <a:buChar char="-"/>
-            </a:pPr>
-            <a:r>
-              <a:rPr lang="en-US" dirty="0"/>
-              <a:t>Which of your functions should it share out?</a:t>
-            </a:r>
-          </a:p>
-          <a:p>
-            <a:pPr marL="171450" indent="-171450">
-              <a:buFontTx/>
-              <a:buChar char="-"/>
-            </a:pPr>
-            <a:r>
-              <a:rPr lang="en-US" dirty="0"/>
-              <a:t>Which methods did you write – behaviors of objects</a:t>
-            </a:r>
-          </a:p>
-          <a:p>
-            <a:pPr marL="171450" indent="-171450">
-              <a:buFontTx/>
-              <a:buChar char="-"/>
-            </a:pPr>
-            <a:r>
-              <a:rPr lang="en-US" dirty="0"/>
-              <a:t>Which functions from the other packages does it need to load</a:t>
-            </a:r>
-          </a:p>
-          <a:p>
-            <a:pPr marL="171450" indent="-171450">
-              <a:buFontTx/>
-              <a:buChar char="-"/>
-            </a:pPr>
+              <a:t>It is an easy entry point into the package</a:t>
+            </a:r>
+          </a:p>
+          <a:p>
             <a:endParaRPr lang="en-US" dirty="0"/>
-          </a:p>
-          <a:p>
-            <a:pPr marL="0" indent="0">
-              <a:buFontTx/>
-              <a:buNone/>
-            </a:pPr>
-            <a:r>
-              <a:rPr lang="en-US" dirty="0"/>
-              <a:t>R Folder</a:t>
-            </a:r>
-          </a:p>
-          <a:p>
-            <a:pPr marL="171450" indent="-171450">
-              <a:buFontTx/>
-              <a:buChar char="-"/>
-            </a:pPr>
-            <a:r>
-              <a:rPr lang="en-US" dirty="0"/>
-              <a:t>Store all your R functions here!</a:t>
-            </a:r>
-          </a:p>
-          <a:p>
-            <a:pPr marL="171450" indent="-171450">
-              <a:buFontTx/>
-              <a:buChar char="-"/>
-            </a:pPr>
-            <a:endParaRPr lang="en-US" dirty="0"/>
-          </a:p>
-          <a:p>
-            <a:pPr marL="0" indent="0">
-              <a:buFontTx/>
-              <a:buNone/>
-            </a:pPr>
-            <a:r>
-              <a:rPr lang="en-US" dirty="0" err="1"/>
-              <a:t>Misc</a:t>
-            </a:r>
-            <a:r>
-              <a:rPr lang="en-US" dirty="0"/>
-              <a:t> files useful but not directly related to packages</a:t>
-            </a:r>
           </a:p>
         </p:txBody>
       </p:sp>
@@ -2027,7 +2307,7 @@
           <a:p>
             <a:fld id="{B9F26414-4BE6-427A-9F34-1430B41B92D6}" type="slidenum">
               <a:rPr lang="en-US" smtClean="0"/>
-              <a:t>13</a:t>
+              <a:t>11</a:t>
             </a:fld>
             <a:endParaRPr lang="en-US"/>
           </a:p>
@@ -2036,7 +2316,7 @@
     </p:spTree>
     <p:extLst>
       <p:ext uri="{BB962C8B-B14F-4D97-AF65-F5344CB8AC3E}">
-        <p14:creationId xmlns:p14="http://schemas.microsoft.com/office/powerpoint/2010/main" val="2708219100"/>
+        <p14:creationId xmlns:p14="http://schemas.microsoft.com/office/powerpoint/2010/main" val="662457425"/>
       </p:ext>
     </p:extLst>
   </p:cSld>
@@ -2090,6 +2370,14 @@
           <a:bodyPr/>
           <a:lstStyle/>
           <a:p>
+            <a:r>
+              <a:rPr lang="en-US" dirty="0"/>
+              <a:t>What happens when </a:t>
+            </a:r>
+            <a:r>
+              <a:rPr lang="en-US"/>
+              <a:t>you type</a:t>
+            </a:r>
             <a:endParaRPr lang="en-US" dirty="0"/>
           </a:p>
         </p:txBody>
@@ -2111,7 +2399,7 @@
           <a:p>
             <a:fld id="{B9F26414-4BE6-427A-9F34-1430B41B92D6}" type="slidenum">
               <a:rPr lang="en-US" smtClean="0"/>
-              <a:t>14</a:t>
+              <a:t>12</a:t>
             </a:fld>
             <a:endParaRPr lang="en-US"/>
           </a:p>
@@ -2120,7 +2408,7 @@
     </p:spTree>
     <p:extLst>
       <p:ext uri="{BB962C8B-B14F-4D97-AF65-F5344CB8AC3E}">
-        <p14:creationId xmlns:p14="http://schemas.microsoft.com/office/powerpoint/2010/main" val="2621624596"/>
+        <p14:creationId xmlns:p14="http://schemas.microsoft.com/office/powerpoint/2010/main" val="2988580295"/>
       </p:ext>
     </p:extLst>
   </p:cSld>
@@ -2599,7 +2887,7 @@
           <a:p>
             <a:fld id="{EA0C0817-A112-4847-8014-A94B7D2A4EA3}" type="datetime1">
               <a:rPr lang="en-US" smtClean="0"/>
-              <a:t>5/28/2021</a:t>
+              <a:t>5/31/2021</a:t>
             </a:fld>
             <a:endParaRPr lang="en-US" dirty="0"/>
           </a:p>
@@ -2801,7 +3089,7 @@
           <a:p>
             <a:fld id="{7332B432-ACDA-4023-A761-2BAB76577B62}" type="datetime1">
               <a:rPr lang="en-US" smtClean="0"/>
-              <a:t>5/28/2021</a:t>
+              <a:t>5/31/2021</a:t>
             </a:fld>
             <a:endParaRPr lang="en-US" dirty="0"/>
           </a:p>
@@ -3400,7 +3688,7 @@
           <a:p>
             <a:fld id="{D9C646AA-F36E-4540-911D-FFFC0A0EF24A}" type="datetime1">
               <a:rPr lang="en-US" smtClean="0"/>
-              <a:t>5/28/2021</a:t>
+              <a:t>5/31/2021</a:t>
             </a:fld>
             <a:endParaRPr lang="en-US" dirty="0"/>
           </a:p>
@@ -3720,7 +4008,7 @@
           <a:p>
             <a:fld id="{69186D26-FA5F-4637-B602-B7C2DC34CFD4}" type="datetime1">
               <a:rPr lang="en-US" smtClean="0"/>
-              <a:t>5/28/2021</a:t>
+              <a:t>5/31/2021</a:t>
             </a:fld>
             <a:endParaRPr lang="en-US" dirty="0"/>
           </a:p>
@@ -4157,7 +4445,7 @@
           <a:p>
             <a:fld id="{8A7F15D8-96D1-4781-BC50-CA8A088B2FE4}" type="datetime1">
               <a:rPr lang="en-US" smtClean="0"/>
-              <a:t>5/28/2021</a:t>
+              <a:t>5/31/2021</a:t>
             </a:fld>
             <a:endParaRPr lang="en-US" dirty="0"/>
           </a:p>
@@ -4275,7 +4563,7 @@
           <a:p>
             <a:fld id="{F9A96C99-B8F8-4528-BD05-0E16E943DC09}" type="datetime1">
               <a:rPr lang="en-US" smtClean="0"/>
-              <a:t>5/28/2021</a:t>
+              <a:t>5/31/2021</a:t>
             </a:fld>
             <a:endParaRPr lang="en-US" dirty="0"/>
           </a:p>
@@ -4370,7 +4658,7 @@
           <a:p>
             <a:fld id="{03636942-C211-4B28-8DBD-C953E00AF71B}" type="datetime1">
               <a:rPr lang="en-US" smtClean="0"/>
-              <a:t>5/28/2021</a:t>
+              <a:t>5/31/2021</a:t>
             </a:fld>
             <a:endParaRPr lang="en-US" dirty="0"/>
           </a:p>
@@ -4787,7 +5075,7 @@
           <a:p>
             <a:fld id="{7E8D12A6-918A-48BD-8CB9-CA713993B0EA}" type="datetime1">
               <a:rPr lang="en-US" smtClean="0"/>
-              <a:t>5/28/2021</a:t>
+              <a:t>5/31/2021</a:t>
             </a:fld>
             <a:endParaRPr lang="en-US" dirty="0"/>
           </a:p>
@@ -5049,7 +5337,7 @@
             <a:fld id="{E778CE86-875F-4587-BCF6-FA054AFC0D53}" type="datetime1">
               <a:rPr lang="en-US" smtClean="0"/>
               <a:pPr/>
-              <a:t>5/28/2021</a:t>
+              <a:t>5/31/2021</a:t>
             </a:fld>
             <a:endParaRPr lang="en-US" dirty="0"/>
           </a:p>
@@ -5565,7 +5853,7 @@
           <a:p>
             <a:fld id="{F6FA2B21-3FCD-4721-B95C-427943F61125}" type="datetime1">
               <a:rPr lang="en-US" smtClean="0"/>
-              <a:t>5/28/2021</a:t>
+              <a:t>5/31/2021</a:t>
             </a:fld>
             <a:endParaRPr lang="en-US" dirty="0"/>
           </a:p>
@@ -6341,62 +6629,15 @@
           <a:p>
             <a:r>
               <a:rPr lang="en-US" dirty="0"/>
-              <a:t>Check yourself</a:t>
-            </a:r>
-          </a:p>
-        </p:txBody>
-      </p:sp>
-      <p:pic>
-        <p:nvPicPr>
-          <p:cNvPr id="1026" name="Picture 2" descr="Zach Galifianakis You Better Check Yourself GIF - ZachGalifianakis YouBetterCheckYourself Hangover GIFs">
-            <a:extLst>
-              <a:ext uri="{FF2B5EF4-FFF2-40B4-BE49-F238E27FC236}">
-                <a16:creationId xmlns:a16="http://schemas.microsoft.com/office/drawing/2014/main" id="{59E508C8-4F83-413D-B224-DB880D1CC384}"/>
-              </a:ext>
-            </a:extLst>
-          </p:cNvPr>
-          <p:cNvPicPr>
-            <a:picLocks noChangeAspect="1" noChangeArrowheads="1" noCrop="1"/>
-          </p:cNvPicPr>
-          <p:nvPr/>
-        </p:nvPicPr>
-        <p:blipFill>
-          <a:blip r:embed="rId3">
-            <a:extLst>
-              <a:ext uri="{28A0092B-C50C-407E-A947-70E740481C1C}">
-                <a14:useLocalDpi xmlns:a14="http://schemas.microsoft.com/office/drawing/2010/main" val="0"/>
-              </a:ext>
-            </a:extLst>
-          </a:blip>
-          <a:srcRect/>
-          <a:stretch>
-            <a:fillRect/>
-          </a:stretch>
-        </p:blipFill>
-        <p:spPr bwMode="auto">
-          <a:xfrm>
-            <a:off x="3724275" y="4130727"/>
-            <a:ext cx="4743450" cy="1714500"/>
-          </a:xfrm>
-          <a:prstGeom prst="rect">
-            <a:avLst/>
-          </a:prstGeom>
-          <a:noFill/>
-          <a:extLst>
-            <a:ext uri="{909E8E84-426E-40DD-AFC4-6F175D3DCCD1}">
-              <a14:hiddenFill xmlns:a14="http://schemas.microsoft.com/office/drawing/2010/main">
-                <a:solidFill>
-                  <a:srgbClr val="FFFFFF"/>
-                </a:solidFill>
-              </a14:hiddenFill>
-            </a:ext>
-          </a:extLst>
-        </p:spPr>
-      </p:pic>
+              <a:t>Vignettes</a:t>
+            </a:r>
+          </a:p>
+        </p:txBody>
+      </p:sp>
     </p:spTree>
     <p:extLst>
       <p:ext uri="{BB962C8B-B14F-4D97-AF65-F5344CB8AC3E}">
-        <p14:creationId xmlns:p14="http://schemas.microsoft.com/office/powerpoint/2010/main" val="685544646"/>
+        <p14:creationId xmlns:p14="http://schemas.microsoft.com/office/powerpoint/2010/main" val="2742486074"/>
       </p:ext>
     </p:extLst>
   </p:cSld>
@@ -6425,10 +6666,10 @@
       </p:grpSpPr>
       <p:sp>
         <p:nvSpPr>
-          <p:cNvPr id="2" name="Title 1">
+          <p:cNvPr id="3" name="Content Placeholder 2">
             <a:extLst>
               <a:ext uri="{FF2B5EF4-FFF2-40B4-BE49-F238E27FC236}">
-                <a16:creationId xmlns:a16="http://schemas.microsoft.com/office/drawing/2014/main" id="{7614332B-4F24-42F4-A704-A6F1183E9470}"/>
+                <a16:creationId xmlns:a16="http://schemas.microsoft.com/office/drawing/2014/main" id="{8AB0FEEC-3BEF-46E7-912B-C736F42B180B}"/>
               </a:ext>
             </a:extLst>
           </p:cNvPr>
@@ -6436,27 +6677,36 @@
             <a:spLocks noGrp="1"/>
           </p:cNvSpPr>
           <p:nvPr>
-            <p:ph type="ctrTitle"/>
-          </p:nvPr>
-        </p:nvSpPr>
-        <p:spPr/>
+            <p:ph sz="half" idx="1"/>
+          </p:nvPr>
+        </p:nvSpPr>
+        <p:spPr>
+          <a:xfrm>
+            <a:off x="914400" y="2766060"/>
+            <a:ext cx="10363200" cy="1325880"/>
+          </a:xfrm>
+        </p:spPr>
         <p:txBody>
           <a:bodyPr>
-            <a:normAutofit/>
+            <a:normAutofit fontScale="62500" lnSpcReduction="20000"/>
           </a:bodyPr>
           <a:lstStyle/>
           <a:p>
-            <a:r>
-              <a:rPr lang="en-US" dirty="0"/>
-              <a:t>Making your Package</a:t>
-            </a:r>
+            <a:pPr marL="0" indent="0" algn="ctr">
+              <a:buNone/>
+            </a:pPr>
+            <a:r>
+              <a:rPr lang="en-US" sz="7200" dirty="0"/>
+              <a:t>Share with the world how you expect everything to fit together</a:t>
+            </a:r>
+            <a:endParaRPr lang="en-US" sz="6000" dirty="0"/>
           </a:p>
         </p:txBody>
       </p:sp>
     </p:spTree>
     <p:extLst>
       <p:ext uri="{BB962C8B-B14F-4D97-AF65-F5344CB8AC3E}">
-        <p14:creationId xmlns:p14="http://schemas.microsoft.com/office/powerpoint/2010/main" val="2433136996"/>
+        <p14:creationId xmlns:p14="http://schemas.microsoft.com/office/powerpoint/2010/main" val="2465116995"/>
       </p:ext>
     </p:extLst>
   </p:cSld>
@@ -6513,14 +6763,6 @@
           <a:p>
             <a:pPr algn="ctr"/>
             <a:r>
-              <a:rPr lang="en-US" sz="5400" dirty="0" err="1"/>
-              <a:t>devtools</a:t>
-            </a:r>
-            <a:r>
-              <a:rPr lang="en-US" sz="5400" dirty="0"/>
-              <a:t>::</a:t>
-            </a:r>
-            <a:r>
               <a:rPr lang="en-US" sz="5400" dirty="0">
                 <a:solidFill>
                   <a:schemeClr val="accent1">
@@ -6529,7 +6771,42 @@
                   </a:schemeClr>
                 </a:solidFill>
               </a:rPr>
-              <a:t>document()</a:t>
+              <a:t>vignette(</a:t>
+            </a:r>
+            <a:r>
+              <a:rPr lang="en-US" sz="5400" dirty="0">
+                <a:solidFill>
+                  <a:srgbClr val="002060"/>
+                </a:solidFill>
+              </a:rPr>
+              <a:t>topic = “base”, package = “</a:t>
+            </a:r>
+            <a:r>
+              <a:rPr lang="en-US" sz="5400" dirty="0" err="1">
+                <a:solidFill>
+                  <a:srgbClr val="002060"/>
+                </a:solidFill>
+              </a:rPr>
+              <a:t>dplyr</a:t>
+            </a:r>
+            <a:r>
+              <a:rPr lang="en-US" sz="5400" dirty="0">
+                <a:solidFill>
+                  <a:srgbClr val="002060"/>
+                </a:solidFill>
+              </a:rPr>
+              <a:t>”</a:t>
+            </a:r>
+            <a:r>
+              <a:rPr lang="en-US" sz="5400" dirty="0">
+                <a:solidFill>
+                  <a:schemeClr val="accent1">
+                    <a:lumMod val="60000"/>
+                    <a:lumOff val="40000"/>
+                  </a:schemeClr>
+                </a:solidFill>
+              </a:rPr>
+              <a:t>)</a:t>
             </a:r>
           </a:p>
         </p:txBody>
@@ -6537,7 +6814,7 @@
     </p:spTree>
     <p:extLst>
       <p:ext uri="{BB962C8B-B14F-4D97-AF65-F5344CB8AC3E}">
-        <p14:creationId xmlns:p14="http://schemas.microsoft.com/office/powerpoint/2010/main" val="13748846"/>
+        <p14:creationId xmlns:p14="http://schemas.microsoft.com/office/powerpoint/2010/main" val="718510616"/>
       </p:ext>
     </p:extLst>
   </p:cSld>
@@ -6580,24 +6857,251 @@
             <p:ph type="title"/>
           </p:nvPr>
         </p:nvSpPr>
+        <p:spPr>
+          <a:xfrm>
+            <a:off x="1066800" y="642594"/>
+            <a:ext cx="10058400" cy="5310150"/>
+          </a:xfrm>
+        </p:spPr>
+        <p:txBody>
+          <a:bodyPr>
+            <a:normAutofit/>
+          </a:bodyPr>
+          <a:lstStyle/>
+          <a:p>
+            <a:pPr algn="ctr"/>
+            <a:r>
+              <a:rPr lang="en-US" sz="5400" dirty="0" err="1"/>
+              <a:t>usethis</a:t>
+            </a:r>
+            <a:r>
+              <a:rPr lang="en-US" sz="5400" dirty="0"/>
+              <a:t>::</a:t>
+            </a:r>
+            <a:r>
+              <a:rPr lang="en-US" sz="5400" dirty="0" err="1">
+                <a:solidFill>
+                  <a:schemeClr val="accent1">
+                    <a:lumMod val="60000"/>
+                    <a:lumOff val="40000"/>
+                  </a:schemeClr>
+                </a:solidFill>
+              </a:rPr>
+              <a:t>use_vignette</a:t>
+            </a:r>
+            <a:r>
+              <a:rPr lang="en-US" sz="5400" dirty="0">
+                <a:solidFill>
+                  <a:schemeClr val="accent1">
+                    <a:lumMod val="60000"/>
+                    <a:lumOff val="40000"/>
+                  </a:schemeClr>
+                </a:solidFill>
+              </a:rPr>
+              <a:t>()</a:t>
+            </a:r>
+          </a:p>
+        </p:txBody>
+      </p:sp>
+    </p:spTree>
+    <p:extLst>
+      <p:ext uri="{BB962C8B-B14F-4D97-AF65-F5344CB8AC3E}">
+        <p14:creationId xmlns:p14="http://schemas.microsoft.com/office/powerpoint/2010/main" val="36565535"/>
+      </p:ext>
+    </p:extLst>
+  </p:cSld>
+  <p:clrMapOvr>
+    <a:masterClrMapping/>
+  </p:clrMapOvr>
+</p:sld>
+</file>
+
+<file path=ppt/slides/slide14.xml><?xml version="1.0" encoding="utf-8"?>
+<p:sld xmlns:a="http://schemas.openxmlformats.org/drawingml/2006/main" xmlns:r="http://schemas.openxmlformats.org/officeDocument/2006/relationships" xmlns:p="http://schemas.openxmlformats.org/presentationml/2006/main">
+  <p:cSld>
+    <p:spTree>
+      <p:nvGrpSpPr>
+        <p:cNvPr id="1" name=""/>
+        <p:cNvGrpSpPr/>
+        <p:nvPr/>
+      </p:nvGrpSpPr>
+      <p:grpSpPr>
+        <a:xfrm>
+          <a:off x="0" y="0"/>
+          <a:ext cx="0" cy="0"/>
+          <a:chOff x="0" y="0"/>
+          <a:chExt cx="0" cy="0"/>
+        </a:xfrm>
+      </p:grpSpPr>
+      <p:sp>
+        <p:nvSpPr>
+          <p:cNvPr id="2" name="Title 1">
+            <a:extLst>
+              <a:ext uri="{FF2B5EF4-FFF2-40B4-BE49-F238E27FC236}">
+                <a16:creationId xmlns:a16="http://schemas.microsoft.com/office/drawing/2014/main" id="{4DA197EC-75CE-4967-B49A-620F6D94CA9D}"/>
+              </a:ext>
+            </a:extLst>
+          </p:cNvPr>
+          <p:cNvSpPr>
+            <a:spLocks noGrp="1"/>
+          </p:cNvSpPr>
+          <p:nvPr>
+            <p:ph type="title"/>
+          </p:nvPr>
+        </p:nvSpPr>
         <p:spPr/>
         <p:txBody>
           <a:bodyPr/>
           <a:lstStyle/>
           <a:p>
             <a:r>
+              <a:rPr lang="en-US" dirty="0" err="1"/>
+              <a:t>usethis</a:t>
+            </a:r>
+            <a:r>
               <a:rPr lang="en-US" dirty="0"/>
-              <a:t>DESCRIPTION File</a:t>
-            </a:r>
-          </a:p>
-        </p:txBody>
-      </p:sp>
-      <p:sp>
-        <p:nvSpPr>
-          <p:cNvPr id="4" name="Title 1">
+              <a:t>::</a:t>
+            </a:r>
+            <a:r>
+              <a:rPr lang="en-US" dirty="0" err="1">
+                <a:solidFill>
+                  <a:schemeClr val="accent1">
+                    <a:lumMod val="60000"/>
+                    <a:lumOff val="40000"/>
+                  </a:schemeClr>
+                </a:solidFill>
+              </a:rPr>
+              <a:t>use_vignette</a:t>
+            </a:r>
+            <a:r>
+              <a:rPr lang="en-US" dirty="0">
+                <a:solidFill>
+                  <a:schemeClr val="accent1">
+                    <a:lumMod val="60000"/>
+                    <a:lumOff val="40000"/>
+                  </a:schemeClr>
+                </a:solidFill>
+              </a:rPr>
+              <a:t>(“R Package Validation Workshop”)</a:t>
+            </a:r>
+            <a:endParaRPr lang="en-US" dirty="0"/>
+          </a:p>
+        </p:txBody>
+      </p:sp>
+      <p:sp>
+        <p:nvSpPr>
+          <p:cNvPr id="5" name="Content Placeholder 2">
             <a:extLst>
               <a:ext uri="{FF2B5EF4-FFF2-40B4-BE49-F238E27FC236}">
-                <a16:creationId xmlns:a16="http://schemas.microsoft.com/office/drawing/2014/main" id="{9FC713E3-43E0-4E4C-8F8F-F39365A8EB3A}"/>
+                <a16:creationId xmlns:a16="http://schemas.microsoft.com/office/drawing/2014/main" id="{BD06129B-2CE7-4FE7-94A1-56E4F7AC577C}"/>
+              </a:ext>
+            </a:extLst>
+          </p:cNvPr>
+          <p:cNvSpPr>
+            <a:spLocks noGrp="1"/>
+          </p:cNvSpPr>
+          <p:nvPr>
+            <p:ph sz="half" idx="1"/>
+          </p:nvPr>
+        </p:nvSpPr>
+        <p:spPr>
+          <a:xfrm>
+            <a:off x="1066800" y="2103120"/>
+            <a:ext cx="10363200" cy="3749040"/>
+          </a:xfrm>
+        </p:spPr>
+        <p:txBody>
+          <a:bodyPr>
+            <a:normAutofit/>
+          </a:bodyPr>
+          <a:lstStyle/>
+          <a:p>
+            <a:pPr marL="342900" indent="-342900">
+              <a:buFont typeface="+mj-lt"/>
+              <a:buAutoNum type="arabicPeriod"/>
+            </a:pPr>
+            <a:r>
+              <a:rPr lang="en-US" sz="2400" dirty="0"/>
+              <a:t>Creates the “/vignettes folder</a:t>
+            </a:r>
+          </a:p>
+          <a:p>
+            <a:pPr marL="342900" indent="-342900">
+              <a:buFont typeface="+mj-lt"/>
+              <a:buAutoNum type="arabicPeriod"/>
+            </a:pPr>
+            <a:r>
+              <a:rPr lang="en-US" sz="2400" dirty="0"/>
+              <a:t>Creates a vignette Rmd file with the appropriate header</a:t>
+            </a:r>
+          </a:p>
+          <a:p>
+            <a:pPr marL="342900" indent="-342900">
+              <a:buFont typeface="+mj-lt"/>
+              <a:buAutoNum type="arabicPeriod"/>
+            </a:pPr>
+            <a:r>
+              <a:rPr lang="en-US" sz="2400" dirty="0"/>
+              <a:t>Updates package information</a:t>
+            </a:r>
+          </a:p>
+          <a:p>
+            <a:pPr lvl="1"/>
+            <a:r>
+              <a:rPr lang="en-US" sz="2200" dirty="0"/>
+              <a:t>adds </a:t>
+            </a:r>
+            <a:r>
+              <a:rPr lang="en-US" sz="2200" dirty="0" err="1"/>
+              <a:t>knitr</a:t>
+            </a:r>
+            <a:r>
+              <a:rPr lang="en-US" sz="2200" dirty="0"/>
+              <a:t> to the list of suggested packages</a:t>
+            </a:r>
+          </a:p>
+          <a:p>
+            <a:pPr lvl="1"/>
+            <a:r>
+              <a:rPr lang="en-US" sz="2200" dirty="0"/>
+              <a:t>Adds information around which vignette builder to use to CRAN</a:t>
+            </a:r>
+          </a:p>
+          <a:p>
+            <a:pPr marL="457200" indent="-457200">
+              <a:buFont typeface="+mj-lt"/>
+              <a:buAutoNum type="arabicPeriod"/>
+            </a:pPr>
+            <a:r>
+              <a:rPr lang="en-US" sz="2400" dirty="0"/>
+              <a:t>Opens the file</a:t>
+            </a:r>
+          </a:p>
+          <a:p>
+            <a:pPr lvl="1"/>
+            <a:endParaRPr lang="en-US" sz="2200" dirty="0"/>
+          </a:p>
+          <a:p>
+            <a:pPr marL="342900" indent="-342900">
+              <a:buFont typeface="+mj-lt"/>
+              <a:buAutoNum type="arabicPeriod"/>
+            </a:pPr>
+            <a:endParaRPr lang="en-US" sz="2200" dirty="0"/>
+          </a:p>
+          <a:p>
+            <a:pPr marL="274320" lvl="1" indent="0">
+              <a:buNone/>
+            </a:pPr>
+            <a:endParaRPr lang="en-US" sz="2000" dirty="0"/>
+          </a:p>
+        </p:txBody>
+      </p:sp>
+      <p:sp>
+        <p:nvSpPr>
+          <p:cNvPr id="7" name="Title 1">
+            <a:extLst>
+              <a:ext uri="{FF2B5EF4-FFF2-40B4-BE49-F238E27FC236}">
+                <a16:creationId xmlns:a16="http://schemas.microsoft.com/office/drawing/2014/main" id="{378DF270-0406-4FA1-BC55-4E3247EA02F7}"/>
               </a:ext>
             </a:extLst>
           </p:cNvPr>
@@ -6608,8 +7112,8 @@
         </p:nvSpPr>
         <p:spPr>
           <a:xfrm>
-            <a:off x="1066800" y="1789223"/>
-            <a:ext cx="10058400" cy="1371600"/>
+            <a:off x="1066800" y="642594"/>
+            <a:ext cx="10058400" cy="5310150"/>
           </a:xfrm>
           <a:prstGeom prst="rect">
             <a:avLst/>
@@ -6643,262 +7147,22 @@
             </a:lvl1pPr>
           </a:lstStyle>
           <a:p>
-            <a:r>
-              <a:rPr lang="en-US" dirty="0"/>
-              <a:t>NAMESPACE File</a:t>
-            </a:r>
-          </a:p>
-        </p:txBody>
-      </p:sp>
-      <p:sp>
-        <p:nvSpPr>
-          <p:cNvPr id="5" name="Title 1">
-            <a:extLst>
-              <a:ext uri="{FF2B5EF4-FFF2-40B4-BE49-F238E27FC236}">
-                <a16:creationId xmlns:a16="http://schemas.microsoft.com/office/drawing/2014/main" id="{ADA4EA7F-5D5F-4F5D-9E06-997061ACB208}"/>
-              </a:ext>
-            </a:extLst>
-          </p:cNvPr>
-          <p:cNvSpPr txBox="1">
-            <a:spLocks/>
-          </p:cNvSpPr>
-          <p:nvPr/>
-        </p:nvSpPr>
-        <p:spPr>
-          <a:xfrm>
-            <a:off x="1066800" y="2983021"/>
-            <a:ext cx="10058400" cy="1371600"/>
-          </a:xfrm>
-          <a:prstGeom prst="rect">
-            <a:avLst/>
-          </a:prstGeom>
-        </p:spPr>
-        <p:txBody>
-          <a:bodyPr vert="horz" lIns="91440" tIns="45720" rIns="91440" bIns="45720" rtlCol="0" anchor="ctr">
-            <a:normAutofit/>
-          </a:bodyPr>
-          <a:lstStyle>
-            <a:lvl1pPr algn="l" defTabSz="914400" rtl="0" eaLnBrk="1" latinLnBrk="0" hangingPunct="1">
-              <a:lnSpc>
-                <a:spcPct val="90000"/>
-              </a:lnSpc>
-              <a:spcBef>
-                <a:spcPct val="0"/>
-              </a:spcBef>
-              <a:buNone/>
-              <a:defRPr lang="en-US" sz="4000" i="0" kern="1200" cap="none" spc="0" baseline="0" dirty="0">
-                <a:solidFill>
-                  <a:schemeClr val="tx1">
-                    <a:lumMod val="85000"/>
-                    <a:lumOff val="15000"/>
-                  </a:schemeClr>
-                </a:solidFill>
-                <a:effectLst/>
-                <a:latin typeface="+mj-lt"/>
-                <a:ea typeface="+mn-ea"/>
-                <a:cs typeface="+mn-cs"/>
-              </a:defRPr>
-            </a:lvl1pPr>
-          </a:lstStyle>
-          <a:p>
-            <a:r>
-              <a:rPr lang="en-US" dirty="0"/>
-              <a:t>R Folder (/R)</a:t>
-            </a:r>
-          </a:p>
-        </p:txBody>
-      </p:sp>
-      <p:sp>
-        <p:nvSpPr>
-          <p:cNvPr id="7" name="TextBox 6">
-            <a:extLst>
-              <a:ext uri="{FF2B5EF4-FFF2-40B4-BE49-F238E27FC236}">
-                <a16:creationId xmlns:a16="http://schemas.microsoft.com/office/drawing/2014/main" id="{B9A327DD-59C7-4386-974B-2B96D91AA32A}"/>
-              </a:ext>
-            </a:extLst>
-          </p:cNvPr>
-          <p:cNvSpPr txBox="1"/>
-          <p:nvPr/>
-        </p:nvSpPr>
-        <p:spPr>
-          <a:xfrm>
-            <a:off x="5950857" y="1372802"/>
-            <a:ext cx="5907314" cy="646331"/>
-          </a:xfrm>
-          <a:prstGeom prst="rect">
-            <a:avLst/>
-          </a:prstGeom>
-          <a:noFill/>
-        </p:spPr>
-        <p:txBody>
-          <a:bodyPr wrap="square" rtlCol="0">
-            <a:spAutoFit/>
-          </a:bodyPr>
-          <a:lstStyle/>
-          <a:p>
-            <a:r>
-              <a:rPr lang="en-US" dirty="0"/>
-              <a:t>Basic package information – name, version, authors, dependencies</a:t>
-            </a:r>
-          </a:p>
-        </p:txBody>
-      </p:sp>
-      <p:sp>
-        <p:nvSpPr>
-          <p:cNvPr id="8" name="TextBox 7">
-            <a:extLst>
-              <a:ext uri="{FF2B5EF4-FFF2-40B4-BE49-F238E27FC236}">
-                <a16:creationId xmlns:a16="http://schemas.microsoft.com/office/drawing/2014/main" id="{70AAC535-005B-4311-BDA8-A6A952DB151B}"/>
-              </a:ext>
-            </a:extLst>
-          </p:cNvPr>
-          <p:cNvSpPr txBox="1"/>
-          <p:nvPr/>
-        </p:nvSpPr>
-        <p:spPr>
-          <a:xfrm>
-            <a:off x="5950857" y="2566600"/>
-            <a:ext cx="5907314" cy="646331"/>
-          </a:xfrm>
-          <a:prstGeom prst="rect">
-            <a:avLst/>
-          </a:prstGeom>
-          <a:noFill/>
-        </p:spPr>
-        <p:txBody>
-          <a:bodyPr wrap="square" rtlCol="0">
-            <a:spAutoFit/>
-          </a:bodyPr>
-          <a:lstStyle/>
-          <a:p>
-            <a:r>
-              <a:rPr lang="en-US" dirty="0"/>
-              <a:t>What information does R need to know – Functions that are shared, dependencies, methods</a:t>
-            </a:r>
-          </a:p>
-        </p:txBody>
-      </p:sp>
-      <p:sp>
-        <p:nvSpPr>
-          <p:cNvPr id="9" name="TextBox 8">
-            <a:extLst>
-              <a:ext uri="{FF2B5EF4-FFF2-40B4-BE49-F238E27FC236}">
-                <a16:creationId xmlns:a16="http://schemas.microsoft.com/office/drawing/2014/main" id="{10208D9C-81BB-47B7-8F56-A3D00268201B}"/>
-              </a:ext>
-            </a:extLst>
-          </p:cNvPr>
-          <p:cNvSpPr txBox="1"/>
-          <p:nvPr/>
-        </p:nvSpPr>
-        <p:spPr>
-          <a:xfrm>
-            <a:off x="5950857" y="3711361"/>
-            <a:ext cx="5907314" cy="646331"/>
-          </a:xfrm>
-          <a:prstGeom prst="rect">
-            <a:avLst/>
-          </a:prstGeom>
-          <a:noFill/>
-        </p:spPr>
-        <p:txBody>
-          <a:bodyPr wrap="square" rtlCol="0">
-            <a:spAutoFit/>
-          </a:bodyPr>
-          <a:lstStyle/>
-          <a:p>
-            <a:r>
-              <a:rPr lang="en-US" dirty="0"/>
-              <a:t>Folder to house the R code of the package</a:t>
-            </a:r>
-          </a:p>
-          <a:p>
-            <a:endParaRPr lang="en-US" dirty="0"/>
-          </a:p>
-        </p:txBody>
-      </p:sp>
-      <p:sp>
-        <p:nvSpPr>
-          <p:cNvPr id="11" name="Title 1">
-            <a:extLst>
-              <a:ext uri="{FF2B5EF4-FFF2-40B4-BE49-F238E27FC236}">
-                <a16:creationId xmlns:a16="http://schemas.microsoft.com/office/drawing/2014/main" id="{B98A6443-0D66-441B-B8DA-E4AFB068B432}"/>
-              </a:ext>
-            </a:extLst>
-          </p:cNvPr>
-          <p:cNvSpPr txBox="1">
-            <a:spLocks/>
-          </p:cNvSpPr>
-          <p:nvPr/>
-        </p:nvSpPr>
-        <p:spPr>
-          <a:xfrm>
-            <a:off x="1066800" y="4769980"/>
-            <a:ext cx="10058400" cy="1371600"/>
-          </a:xfrm>
-          <a:prstGeom prst="rect">
-            <a:avLst/>
-          </a:prstGeom>
-        </p:spPr>
-        <p:txBody>
-          <a:bodyPr vert="horz" lIns="91440" tIns="45720" rIns="91440" bIns="45720" rtlCol="0" anchor="ctr">
-            <a:normAutofit/>
-          </a:bodyPr>
-          <a:lstStyle>
-            <a:lvl1pPr algn="l" defTabSz="914400" rtl="0" eaLnBrk="1" latinLnBrk="0" hangingPunct="1">
-              <a:lnSpc>
-                <a:spcPct val="90000"/>
-              </a:lnSpc>
-              <a:spcBef>
-                <a:spcPct val="0"/>
-              </a:spcBef>
-              <a:buNone/>
-              <a:defRPr lang="en-US" sz="4000" i="0" kern="1200" cap="none" spc="0" baseline="0" dirty="0">
-                <a:solidFill>
-                  <a:schemeClr val="tx1">
-                    <a:lumMod val="85000"/>
-                    <a:lumOff val="15000"/>
-                  </a:schemeClr>
-                </a:solidFill>
-                <a:effectLst/>
-                <a:latin typeface="+mj-lt"/>
-                <a:ea typeface="+mn-ea"/>
-                <a:cs typeface="+mn-cs"/>
-              </a:defRPr>
-            </a:lvl1pPr>
-          </a:lstStyle>
-          <a:p>
-            <a:r>
-              <a:rPr lang="en-US" sz="2400" dirty="0"/>
-              <a:t>.</a:t>
-            </a:r>
-            <a:r>
-              <a:rPr lang="en-US" sz="2400" dirty="0" err="1"/>
-              <a:t>Rbuildignore</a:t>
-            </a:r>
-            <a:r>
-              <a:rPr lang="en-US" sz="2400" dirty="0"/>
-              <a:t>, .</a:t>
-            </a:r>
-            <a:r>
-              <a:rPr lang="en-US" sz="2400" dirty="0" err="1"/>
-              <a:t>gitignore</a:t>
-            </a:r>
-            <a:r>
-              <a:rPr lang="en-US" sz="2400" dirty="0"/>
-              <a:t>, .</a:t>
-            </a:r>
-            <a:r>
-              <a:rPr lang="en-US" sz="2400" dirty="0" err="1"/>
-              <a:t>Rproj.user</a:t>
-            </a:r>
-            <a:endParaRPr lang="en-US" sz="2400" dirty="0"/>
+            <a:pPr algn="ctr"/>
+            <a:endParaRPr lang="en-US" sz="5400" dirty="0">
+              <a:solidFill>
+                <a:schemeClr val="accent1">
+                  <a:lumMod val="60000"/>
+                  <a:lumOff val="40000"/>
+                </a:schemeClr>
+              </a:solidFill>
+            </a:endParaRPr>
           </a:p>
         </p:txBody>
       </p:sp>
     </p:spTree>
     <p:extLst>
       <p:ext uri="{BB962C8B-B14F-4D97-AF65-F5344CB8AC3E}">
-        <p14:creationId xmlns:p14="http://schemas.microsoft.com/office/powerpoint/2010/main" val="1163171342"/>
+        <p14:creationId xmlns:p14="http://schemas.microsoft.com/office/powerpoint/2010/main" val="1780661540"/>
       </p:ext>
     </p:extLst>
   </p:cSld>
@@ -6939,7 +7203,11 @@
                                           </p:stCondLst>
                                         </p:cTn>
                                         <p:tgtEl>
-                                          <p:spTgt spid="2"/>
+                                          <p:spTgt spid="5">
+                                            <p:txEl>
+                                              <p:pRg st="0" end="0"/>
+                                            </p:txEl>
+                                          </p:spTgt>
                                         </p:tgtEl>
                                         <p:attrNameLst>
                                           <p:attrName>style.visibility</p:attrName>
@@ -6984,7 +7252,11 @@
                                           </p:stCondLst>
                                         </p:cTn>
                                         <p:tgtEl>
-                                          <p:spTgt spid="7"/>
+                                          <p:spTgt spid="5">
+                                            <p:txEl>
+                                              <p:pRg st="1" end="1"/>
+                                            </p:txEl>
+                                          </p:spTgt>
                                         </p:tgtEl>
                                         <p:attrNameLst>
                                           <p:attrName>style.visibility</p:attrName>
@@ -7029,7 +7301,11 @@
                                           </p:stCondLst>
                                         </p:cTn>
                                         <p:tgtEl>
-                                          <p:spTgt spid="4"/>
+                                          <p:spTgt spid="5">
+                                            <p:txEl>
+                                              <p:pRg st="2" end="2"/>
+                                            </p:txEl>
+                                          </p:spTgt>
                                         </p:tgtEl>
                                         <p:attrNameLst>
                                           <p:attrName>style.visibility</p:attrName>
@@ -7042,26 +7318,39 @@
                                   </p:childTnLst>
                                 </p:cTn>
                               </p:par>
-                            </p:childTnLst>
-                          </p:cTn>
-                        </p:par>
-                      </p:childTnLst>
-                    </p:cTn>
-                  </p:par>
-                  <p:par>
-                    <p:cTn id="15" fill="hold">
-                      <p:stCondLst>
-                        <p:cond delay="indefinite"/>
-                      </p:stCondLst>
-                      <p:childTnLst>
-                        <p:par>
-                          <p:cTn id="16" fill="hold">
-                            <p:stCondLst>
-                              <p:cond delay="0"/>
-                            </p:stCondLst>
-                            <p:childTnLst>
                               <p:par>
-                                <p:cTn id="17" presetID="1" presetClass="entr" presetSubtype="0" fill="hold" grpId="0" nodeType="clickEffect">
+                                <p:cTn id="15" presetID="1" presetClass="entr" presetSubtype="0" fill="hold" grpId="0" nodeType="withEffect">
+                                  <p:stCondLst>
+                                    <p:cond delay="0"/>
+                                  </p:stCondLst>
+                                  <p:childTnLst>
+                                    <p:set>
+                                      <p:cBhvr>
+                                        <p:cTn id="16" dur="1" fill="hold">
+                                          <p:stCondLst>
+                                            <p:cond delay="0"/>
+                                          </p:stCondLst>
+                                        </p:cTn>
+                                        <p:tgtEl>
+                                          <p:spTgt spid="5">
+                                            <p:txEl>
+                                              <p:pRg st="3" end="3"/>
+                                            </p:txEl>
+                                          </p:spTgt>
+                                        </p:tgtEl>
+                                        <p:attrNameLst>
+                                          <p:attrName>style.visibility</p:attrName>
+                                        </p:attrNameLst>
+                                      </p:cBhvr>
+                                      <p:to>
+                                        <p:strVal val="visible"/>
+                                      </p:to>
+                                    </p:set>
+                                  </p:childTnLst>
+                                </p:cTn>
+                              </p:par>
+                              <p:par>
+                                <p:cTn id="17" presetID="1" presetClass="entr" presetSubtype="0" fill="hold" grpId="0" nodeType="withEffect">
                                   <p:stCondLst>
                                     <p:cond delay="0"/>
                                   </p:stCondLst>
@@ -7074,7 +7363,11 @@
                                           </p:stCondLst>
                                         </p:cTn>
                                         <p:tgtEl>
-                                          <p:spTgt spid="8"/>
+                                          <p:spTgt spid="5">
+                                            <p:txEl>
+                                              <p:pRg st="4" end="4"/>
+                                            </p:txEl>
+                                          </p:spTgt>
                                         </p:tgtEl>
                                         <p:attrNameLst>
                                           <p:attrName>style.visibility</p:attrName>
@@ -7119,97 +7412,11 @@
                                           </p:stCondLst>
                                         </p:cTn>
                                         <p:tgtEl>
-                                          <p:spTgt spid="5"/>
-                                        </p:tgtEl>
-                                        <p:attrNameLst>
-                                          <p:attrName>style.visibility</p:attrName>
-                                        </p:attrNameLst>
-                                      </p:cBhvr>
-                                      <p:to>
-                                        <p:strVal val="visible"/>
-                                      </p:to>
-                                    </p:set>
-                                  </p:childTnLst>
-                                </p:cTn>
-                              </p:par>
-                            </p:childTnLst>
-                          </p:cTn>
-                        </p:par>
-                      </p:childTnLst>
-                    </p:cTn>
-                  </p:par>
-                  <p:par>
-                    <p:cTn id="23" fill="hold">
-                      <p:stCondLst>
-                        <p:cond delay="indefinite"/>
-                      </p:stCondLst>
-                      <p:childTnLst>
-                        <p:par>
-                          <p:cTn id="24" fill="hold">
-                            <p:stCondLst>
-                              <p:cond delay="0"/>
-                            </p:stCondLst>
-                            <p:childTnLst>
-                              <p:par>
-                                <p:cTn id="25" presetID="1" presetClass="entr" presetSubtype="0" fill="hold" grpId="0" nodeType="clickEffect">
-                                  <p:stCondLst>
-                                    <p:cond delay="0"/>
-                                  </p:stCondLst>
-                                  <p:childTnLst>
-                                    <p:set>
-                                      <p:cBhvr>
-                                        <p:cTn id="26" dur="1" fill="hold">
-                                          <p:stCondLst>
-                                            <p:cond delay="0"/>
-                                          </p:stCondLst>
-                                        </p:cTn>
-                                        <p:tgtEl>
-                                          <p:spTgt spid="9"/>
-                                        </p:tgtEl>
-                                        <p:attrNameLst>
-                                          <p:attrName>style.visibility</p:attrName>
-                                        </p:attrNameLst>
-                                      </p:cBhvr>
-                                      <p:to>
-                                        <p:strVal val="visible"/>
-                                      </p:to>
-                                    </p:set>
-                                  </p:childTnLst>
-                                </p:cTn>
-                              </p:par>
-                            </p:childTnLst>
-                          </p:cTn>
-                        </p:par>
-                      </p:childTnLst>
-                    </p:cTn>
-                  </p:par>
-                  <p:par>
-                    <p:cTn id="27" fill="hold">
-                      <p:stCondLst>
-                        <p:cond delay="indefinite"/>
-                      </p:stCondLst>
-                      <p:childTnLst>
-                        <p:par>
-                          <p:cTn id="28" fill="hold">
-                            <p:stCondLst>
-                              <p:cond delay="0"/>
-                            </p:stCondLst>
-                            <p:childTnLst>
-                              <p:par>
-                                <p:cTn id="29" presetID="1" presetClass="entr" presetSubtype="0" fill="hold" grpId="0" nodeType="clickEffect">
-                                  <p:stCondLst>
-                                    <p:cond delay="0"/>
-                                  </p:stCondLst>
-                                  <p:childTnLst>
-                                    <p:set>
-                                      <p:cBhvr>
-                                        <p:cTn id="30" dur="1" fill="hold">
-                                          <p:stCondLst>
-                                            <p:cond delay="0"/>
-                                          </p:stCondLst>
-                                        </p:cTn>
-                                        <p:tgtEl>
-                                          <p:spTgt spid="11"/>
+                                          <p:spTgt spid="5">
+                                            <p:txEl>
+                                              <p:pRg st="5" end="5"/>
+                                            </p:txEl>
+                                          </p:spTgt>
                                         </p:tgtEl>
                                         <p:attrNameLst>
                                           <p:attrName>style.visibility</p:attrName>
@@ -7250,96 +7457,9 @@
       </p:par>
     </p:tnLst>
     <p:bldLst>
-      <p:bldP spid="2" grpId="0"/>
-      <p:bldP spid="4" grpId="0"/>
-      <p:bldP spid="5" grpId="0"/>
-      <p:bldP spid="7" grpId="0"/>
-      <p:bldP spid="8" grpId="0"/>
-      <p:bldP spid="9" grpId="0"/>
-      <p:bldP spid="11" grpId="0"/>
+      <p:bldP spid="5" grpId="0" build="p"/>
     </p:bldLst>
   </p:timing>
-</p:sld>
-</file>
-
-<file path=ppt/slides/slide14.xml><?xml version="1.0" encoding="utf-8"?>
-<p:sld xmlns:a="http://schemas.openxmlformats.org/drawingml/2006/main" xmlns:r="http://schemas.openxmlformats.org/officeDocument/2006/relationships" xmlns:p="http://schemas.openxmlformats.org/presentationml/2006/main">
-  <p:cSld>
-    <p:spTree>
-      <p:nvGrpSpPr>
-        <p:cNvPr id="1" name=""/>
-        <p:cNvGrpSpPr/>
-        <p:nvPr/>
-      </p:nvGrpSpPr>
-      <p:grpSpPr>
-        <a:xfrm>
-          <a:off x="0" y="0"/>
-          <a:ext cx="0" cy="0"/>
-          <a:chOff x="0" y="0"/>
-          <a:chExt cx="0" cy="0"/>
-        </a:xfrm>
-      </p:grpSpPr>
-      <p:sp>
-        <p:nvSpPr>
-          <p:cNvPr id="2" name="Title 1">
-            <a:extLst>
-              <a:ext uri="{FF2B5EF4-FFF2-40B4-BE49-F238E27FC236}">
-                <a16:creationId xmlns:a16="http://schemas.microsoft.com/office/drawing/2014/main" id="{74FF8AFB-2220-429D-9580-FECCA22240E4}"/>
-              </a:ext>
-            </a:extLst>
-          </p:cNvPr>
-          <p:cNvSpPr>
-            <a:spLocks noGrp="1"/>
-          </p:cNvSpPr>
-          <p:nvPr>
-            <p:ph type="title"/>
-          </p:nvPr>
-        </p:nvSpPr>
-        <p:spPr>
-          <a:xfrm>
-            <a:off x="1066800" y="642594"/>
-            <a:ext cx="10058400" cy="5310150"/>
-          </a:xfrm>
-        </p:spPr>
-        <p:txBody>
-          <a:bodyPr>
-            <a:normAutofit/>
-          </a:bodyPr>
-          <a:lstStyle/>
-          <a:p>
-            <a:pPr algn="ctr"/>
-            <a:r>
-              <a:rPr lang="en-US" sz="5400" dirty="0" err="1"/>
-              <a:t>devtools</a:t>
-            </a:r>
-            <a:r>
-              <a:rPr lang="en-US" sz="5400" dirty="0"/>
-              <a:t>::</a:t>
-            </a:r>
-            <a:r>
-              <a:rPr lang="en-US" sz="5400" dirty="0">
-                <a:solidFill>
-                  <a:schemeClr val="accent1">
-                    <a:lumMod val="60000"/>
-                    <a:lumOff val="40000"/>
-                  </a:schemeClr>
-                </a:solidFill>
-              </a:rPr>
-              <a:t>test()</a:t>
-            </a:r>
-          </a:p>
-        </p:txBody>
-      </p:sp>
-    </p:spTree>
-    <p:extLst>
-      <p:ext uri="{BB962C8B-B14F-4D97-AF65-F5344CB8AC3E}">
-        <p14:creationId xmlns:p14="http://schemas.microsoft.com/office/powerpoint/2010/main" val="4216373924"/>
-      </p:ext>
-    </p:extLst>
-  </p:cSld>
-  <p:clrMapOvr>
-    <a:masterClrMapping/>
-  </p:clrMapOvr>
 </p:sld>
 </file>
 
@@ -7365,7 +7485,7 @@
           <p:cNvPr id="2" name="Title 1">
             <a:extLst>
               <a:ext uri="{FF2B5EF4-FFF2-40B4-BE49-F238E27FC236}">
-                <a16:creationId xmlns:a16="http://schemas.microsoft.com/office/drawing/2014/main" id="{74FF8AFB-2220-429D-9580-FECCA22240E4}"/>
+                <a16:creationId xmlns:a16="http://schemas.microsoft.com/office/drawing/2014/main" id="{4DA197EC-75CE-4967-B49A-620F6D94CA9D}"/>
               </a:ext>
             </a:extLst>
           </p:cNvPr>
@@ -7383,70 +7503,64 @@
           <a:p>
             <a:r>
               <a:rPr lang="en-US" dirty="0"/>
-              <a:t>Creates a new R script</a:t>
-            </a:r>
-          </a:p>
-        </p:txBody>
-      </p:sp>
-      <p:sp>
-        <p:nvSpPr>
-          <p:cNvPr id="7" name="TextBox 6">
+              <a:t>Rendering Vignettes</a:t>
+            </a:r>
+          </a:p>
+        </p:txBody>
+      </p:sp>
+      <p:sp>
+        <p:nvSpPr>
+          <p:cNvPr id="5" name="Content Placeholder 2">
             <a:extLst>
               <a:ext uri="{FF2B5EF4-FFF2-40B4-BE49-F238E27FC236}">
-                <a16:creationId xmlns:a16="http://schemas.microsoft.com/office/drawing/2014/main" id="{B9A327DD-59C7-4386-974B-2B96D91AA32A}"/>
+                <a16:creationId xmlns:a16="http://schemas.microsoft.com/office/drawing/2014/main" id="{BD06129B-2CE7-4FE7-94A1-56E4F7AC577C}"/>
               </a:ext>
             </a:extLst>
           </p:cNvPr>
-          <p:cNvSpPr txBox="1"/>
-          <p:nvPr/>
+          <p:cNvSpPr>
+            <a:spLocks noGrp="1"/>
+          </p:cNvSpPr>
+          <p:nvPr>
+            <p:ph sz="half" idx="1"/>
+          </p:nvPr>
         </p:nvSpPr>
         <p:spPr>
           <a:xfrm>
-            <a:off x="1573968" y="2014194"/>
-            <a:ext cx="10329174" cy="1938992"/>
+            <a:off x="1066800" y="2103120"/>
+            <a:ext cx="10363200" cy="3749040"/>
           </a:xfrm>
-          <a:prstGeom prst="rect">
-            <a:avLst/>
-          </a:prstGeom>
-          <a:noFill/>
         </p:spPr>
         <p:txBody>
-          <a:bodyPr wrap="square" rtlCol="0">
-            <a:spAutoFit/>
+          <a:bodyPr>
+            <a:normAutofit/>
           </a:bodyPr>
           <a:lstStyle/>
           <a:p>
             <a:r>
               <a:rPr lang="en-US" sz="2400" dirty="0"/>
-              <a:t>Within /R</a:t>
-            </a:r>
-          </a:p>
-          <a:p>
-            <a:endParaRPr lang="en-US" sz="2400" dirty="0"/>
+              <a:t>Compiled by user with output left in “vignettes” folder</a:t>
+            </a:r>
           </a:p>
           <a:p>
             <a:r>
               <a:rPr lang="en-US" sz="2400" dirty="0"/>
-              <a:t>Organize Code within R Script to be related</a:t>
-            </a:r>
-          </a:p>
-          <a:p>
-            <a:endParaRPr lang="en-US" sz="2400" dirty="0"/>
+              <a:t>Compiled when built into bundle</a:t>
+            </a:r>
           </a:p>
           <a:p>
             <a:r>
               <a:rPr lang="en-US" sz="2400" dirty="0"/>
-              <a:t>Give a meaningful name to the script</a:t>
-            </a:r>
-          </a:p>
-        </p:txBody>
-      </p:sp>
-      <p:sp>
-        <p:nvSpPr>
-          <p:cNvPr id="12" name="Title 1">
+              <a:t>Compiled on installation (if installing from source code)</a:t>
+            </a:r>
+          </a:p>
+        </p:txBody>
+      </p:sp>
+      <p:sp>
+        <p:nvSpPr>
+          <p:cNvPr id="7" name="Title 1">
             <a:extLst>
               <a:ext uri="{FF2B5EF4-FFF2-40B4-BE49-F238E27FC236}">
-                <a16:creationId xmlns:a16="http://schemas.microsoft.com/office/drawing/2014/main" id="{A72EB7F6-FD5F-49E5-B7AF-180B7BF551F9}"/>
+                <a16:creationId xmlns:a16="http://schemas.microsoft.com/office/drawing/2014/main" id="{378DF270-0406-4FA1-BC55-4E3247EA02F7}"/>
               </a:ext>
             </a:extLst>
           </p:cNvPr>
@@ -7457,8 +7571,8 @@
         </p:nvSpPr>
         <p:spPr>
           <a:xfrm>
-            <a:off x="449705" y="3703730"/>
-            <a:ext cx="11453437" cy="2280154"/>
+            <a:off x="1066800" y="642594"/>
+            <a:ext cx="10058400" cy="5310150"/>
           </a:xfrm>
           <a:prstGeom prst="rect">
             <a:avLst/>
@@ -7493,254 +7607,27 @@
           </a:lstStyle>
           <a:p>
             <a:pPr algn="ctr"/>
-            <a:r>
-              <a:rPr lang="en-US" sz="4400" dirty="0" err="1"/>
-              <a:t>usethis</a:t>
-            </a:r>
-            <a:r>
-              <a:rPr lang="en-US" sz="4400" dirty="0"/>
-              <a:t>::</a:t>
-            </a:r>
-            <a:r>
-              <a:rPr lang="en-US" sz="4400" dirty="0" err="1">
-                <a:solidFill>
-                  <a:schemeClr val="accent1">
-                    <a:lumMod val="60000"/>
-                    <a:lumOff val="40000"/>
-                  </a:schemeClr>
-                </a:solidFill>
-              </a:rPr>
-              <a:t>use_r</a:t>
-            </a:r>
-            <a:r>
-              <a:rPr lang="en-US" sz="4400" dirty="0">
-                <a:solidFill>
-                  <a:schemeClr val="accent1">
-                    <a:lumMod val="60000"/>
-                    <a:lumOff val="40000"/>
-                  </a:schemeClr>
-                </a:solidFill>
-              </a:rPr>
-              <a:t>(</a:t>
-            </a:r>
-            <a:r>
-              <a:rPr lang="en-US" sz="4400" dirty="0">
-                <a:solidFill>
-                  <a:srgbClr val="002060"/>
-                </a:solidFill>
-              </a:rPr>
-              <a:t>“</a:t>
-            </a:r>
-            <a:r>
-              <a:rPr lang="en-US" sz="4400" dirty="0" err="1">
-                <a:solidFill>
-                  <a:srgbClr val="002060"/>
-                </a:solidFill>
-              </a:rPr>
-              <a:t>new_file_name</a:t>
-            </a:r>
-            <a:r>
-              <a:rPr lang="en-US" sz="4400" dirty="0">
-                <a:solidFill>
-                  <a:srgbClr val="002060"/>
-                </a:solidFill>
-              </a:rPr>
-              <a:t>”</a:t>
-            </a:r>
-            <a:r>
-              <a:rPr lang="en-US" sz="4400" dirty="0">
-                <a:solidFill>
-                  <a:schemeClr val="accent1">
-                    <a:lumMod val="60000"/>
-                    <a:lumOff val="40000"/>
-                  </a:schemeClr>
-                </a:solidFill>
-              </a:rPr>
-              <a:t>)</a:t>
-            </a:r>
+            <a:endParaRPr lang="en-US" sz="5400" dirty="0">
+              <a:solidFill>
+                <a:schemeClr val="accent1">
+                  <a:lumMod val="60000"/>
+                  <a:lumOff val="40000"/>
+                </a:schemeClr>
+              </a:solidFill>
+            </a:endParaRPr>
           </a:p>
         </p:txBody>
       </p:sp>
     </p:spTree>
     <p:extLst>
       <p:ext uri="{BB962C8B-B14F-4D97-AF65-F5344CB8AC3E}">
-        <p14:creationId xmlns:p14="http://schemas.microsoft.com/office/powerpoint/2010/main" val="1634156199"/>
+        <p14:creationId xmlns:p14="http://schemas.microsoft.com/office/powerpoint/2010/main" val="2647295500"/>
       </p:ext>
     </p:extLst>
   </p:cSld>
   <p:clrMapOvr>
     <a:masterClrMapping/>
   </p:clrMapOvr>
-  <p:timing>
-    <p:tnLst>
-      <p:par>
-        <p:cTn id="1" dur="indefinite" restart="never" nodeType="tmRoot">
-          <p:childTnLst>
-            <p:seq concurrent="1" nextAc="seek">
-              <p:cTn id="2" dur="indefinite" nodeType="mainSeq">
-                <p:childTnLst>
-                  <p:par>
-                    <p:cTn id="3" fill="hold">
-                      <p:stCondLst>
-                        <p:cond delay="indefinite"/>
-                      </p:stCondLst>
-                      <p:childTnLst>
-                        <p:par>
-                          <p:cTn id="4" fill="hold">
-                            <p:stCondLst>
-                              <p:cond delay="0"/>
-                            </p:stCondLst>
-                            <p:childTnLst>
-                              <p:par>
-                                <p:cTn id="5" presetID="1" presetClass="entr" presetSubtype="0" fill="hold" grpId="0" nodeType="clickEffect">
-                                  <p:stCondLst>
-                                    <p:cond delay="0"/>
-                                  </p:stCondLst>
-                                  <p:childTnLst>
-                                    <p:set>
-                                      <p:cBhvr>
-                                        <p:cTn id="6" dur="1" fill="hold">
-                                          <p:stCondLst>
-                                            <p:cond delay="0"/>
-                                          </p:stCondLst>
-                                        </p:cTn>
-                                        <p:tgtEl>
-                                          <p:spTgt spid="2"/>
-                                        </p:tgtEl>
-                                        <p:attrNameLst>
-                                          <p:attrName>style.visibility</p:attrName>
-                                        </p:attrNameLst>
-                                      </p:cBhvr>
-                                      <p:to>
-                                        <p:strVal val="visible"/>
-                                      </p:to>
-                                    </p:set>
-                                  </p:childTnLst>
-                                </p:cTn>
-                              </p:par>
-                            </p:childTnLst>
-                          </p:cTn>
-                        </p:par>
-                      </p:childTnLst>
-                    </p:cTn>
-                  </p:par>
-                  <p:par>
-                    <p:cTn id="7" fill="hold">
-                      <p:stCondLst>
-                        <p:cond delay="indefinite"/>
-                      </p:stCondLst>
-                      <p:childTnLst>
-                        <p:par>
-                          <p:cTn id="8" fill="hold">
-                            <p:stCondLst>
-                              <p:cond delay="0"/>
-                            </p:stCondLst>
-                            <p:childTnLst>
-                              <p:par>
-                                <p:cTn id="9" presetID="1" presetClass="entr" presetSubtype="0" fill="hold" grpId="0" nodeType="clickEffect">
-                                  <p:stCondLst>
-                                    <p:cond delay="0"/>
-                                  </p:stCondLst>
-                                  <p:childTnLst>
-                                    <p:set>
-                                      <p:cBhvr>
-                                        <p:cTn id="10" dur="1" fill="hold">
-                                          <p:stCondLst>
-                                            <p:cond delay="0"/>
-                                          </p:stCondLst>
-                                        </p:cTn>
-                                        <p:tgtEl>
-                                          <p:spTgt spid="7"/>
-                                        </p:tgtEl>
-                                        <p:attrNameLst>
-                                          <p:attrName>style.visibility</p:attrName>
-                                        </p:attrNameLst>
-                                      </p:cBhvr>
-                                      <p:to>
-                                        <p:strVal val="visible"/>
-                                      </p:to>
-                                    </p:set>
-                                  </p:childTnLst>
-                                </p:cTn>
-                              </p:par>
-                            </p:childTnLst>
-                          </p:cTn>
-                        </p:par>
-                      </p:childTnLst>
-                    </p:cTn>
-                  </p:par>
-                  <p:par>
-                    <p:cTn id="11" fill="hold">
-                      <p:stCondLst>
-                        <p:cond delay="indefinite"/>
-                      </p:stCondLst>
-                      <p:childTnLst>
-                        <p:par>
-                          <p:cTn id="12" fill="hold">
-                            <p:stCondLst>
-                              <p:cond delay="0"/>
-                            </p:stCondLst>
-                            <p:childTnLst>
-                              <p:par>
-                                <p:cTn id="13" presetID="1" presetClass="entr" presetSubtype="0" fill="hold" grpId="0" nodeType="clickEffect">
-                                  <p:stCondLst>
-                                    <p:cond delay="0"/>
-                                  </p:stCondLst>
-                                  <p:childTnLst>
-                                    <p:set>
-                                      <p:cBhvr>
-                                        <p:cTn id="14" dur="1" fill="hold">
-                                          <p:stCondLst>
-                                            <p:cond delay="0"/>
-                                          </p:stCondLst>
-                                        </p:cTn>
-                                        <p:tgtEl>
-                                          <p:spTgt spid="12"/>
-                                        </p:tgtEl>
-                                        <p:attrNameLst>
-                                          <p:attrName>style.visibility</p:attrName>
-                                        </p:attrNameLst>
-                                      </p:cBhvr>
-                                      <p:to>
-                                        <p:strVal val="visible"/>
-                                      </p:to>
-                                    </p:set>
-                                  </p:childTnLst>
-                                </p:cTn>
-                              </p:par>
-                            </p:childTnLst>
-                          </p:cTn>
-                        </p:par>
-                      </p:childTnLst>
-                    </p:cTn>
-                  </p:par>
-                </p:childTnLst>
-              </p:cTn>
-              <p:prevCondLst>
-                <p:cond evt="onPrev" delay="0">
-                  <p:tgtEl>
-                    <p:sldTgt/>
-                  </p:tgtEl>
-                </p:cond>
-              </p:prevCondLst>
-              <p:nextCondLst>
-                <p:cond evt="onNext" delay="0">
-                  <p:tgtEl>
-                    <p:sldTgt/>
-                  </p:tgtEl>
-                </p:cond>
-              </p:nextCondLst>
-            </p:seq>
-          </p:childTnLst>
-        </p:cTn>
-      </p:par>
-    </p:tnLst>
-    <p:bldLst>
-      <p:bldP spid="2" grpId="0"/>
-      <p:bldP spid="7" grpId="0"/>
-      <p:bldP spid="12" grpId="0"/>
-    </p:bldLst>
-  </p:timing>
 </p:sld>
 </file>
 
@@ -7766,7 +7653,7 @@
           <p:cNvPr id="2" name="Title 1">
             <a:extLst>
               <a:ext uri="{FF2B5EF4-FFF2-40B4-BE49-F238E27FC236}">
-                <a16:creationId xmlns:a16="http://schemas.microsoft.com/office/drawing/2014/main" id="{74FF8AFB-2220-429D-9580-FECCA22240E4}"/>
+                <a16:creationId xmlns:a16="http://schemas.microsoft.com/office/drawing/2014/main" id="{7614332B-4F24-42F4-A704-A6F1183E9470}"/>
               </a:ext>
             </a:extLst>
           </p:cNvPr>
@@ -7774,40 +7661,17 @@
             <a:spLocks noGrp="1"/>
           </p:cNvSpPr>
           <p:nvPr>
-            <p:ph type="title"/>
-          </p:nvPr>
-        </p:nvSpPr>
-        <p:spPr>
-          <a:xfrm>
-            <a:off x="1066800" y="642594"/>
-            <a:ext cx="10058400" cy="5310150"/>
-          </a:xfrm>
-        </p:spPr>
-        <p:txBody>
-          <a:bodyPr>
-            <a:normAutofit/>
-          </a:bodyPr>
+            <p:ph type="ctrTitle"/>
+          </p:nvPr>
+        </p:nvSpPr>
+        <p:spPr/>
+        <p:txBody>
+          <a:bodyPr/>
           <a:lstStyle/>
           <a:p>
-            <a:pPr algn="ctr"/>
-            <a:r>
-              <a:rPr lang="en-US" sz="5400" dirty="0" err="1"/>
-              <a:t>devtools</a:t>
-            </a:r>
-            <a:r>
-              <a:rPr lang="en-US" sz="5400" dirty="0"/>
-              <a:t>::</a:t>
-            </a:r>
-            <a:r>
-              <a:rPr lang="en-US" sz="5400" dirty="0">
-                <a:solidFill>
-                  <a:schemeClr val="accent1">
-                    <a:lumMod val="60000"/>
-                    <a:lumOff val="40000"/>
-                  </a:schemeClr>
-                </a:solidFill>
-              </a:rPr>
-              <a:t>check()</a:t>
+            <a:r>
+              <a:rPr lang="en-US" dirty="0"/>
+              <a:t>Check yourself</a:t>
             </a:r>
           </a:p>
         </p:txBody>
@@ -7815,7 +7679,7 @@
     </p:spTree>
     <p:extLst>
       <p:ext uri="{BB962C8B-B14F-4D97-AF65-F5344CB8AC3E}">
-        <p14:creationId xmlns:p14="http://schemas.microsoft.com/office/powerpoint/2010/main" val="3034315961"/>
+        <p14:creationId xmlns:p14="http://schemas.microsoft.com/office/powerpoint/2010/main" val="685544646"/>
       </p:ext>
     </p:extLst>
   </p:cSld>
@@ -7858,105 +7722,158 @@
             <p:ph type="title"/>
           </p:nvPr>
         </p:nvSpPr>
-        <p:spPr/>
-        <p:txBody>
-          <a:bodyPr/>
+        <p:spPr>
+          <a:xfrm>
+            <a:off x="1066800" y="642594"/>
+            <a:ext cx="10058400" cy="5310150"/>
+          </a:xfrm>
+        </p:spPr>
+        <p:txBody>
+          <a:bodyPr>
+            <a:normAutofit/>
+          </a:bodyPr>
           <a:lstStyle/>
           <a:p>
-            <a:r>
-              <a:rPr lang="en-US" dirty="0"/>
-              <a:t>Creates a new test script for unit testing</a:t>
-            </a:r>
-          </a:p>
-        </p:txBody>
-      </p:sp>
-      <p:sp>
-        <p:nvSpPr>
-          <p:cNvPr id="7" name="TextBox 6">
+            <a:pPr algn="ctr"/>
+            <a:r>
+              <a:rPr lang="en-US" sz="5400" dirty="0" err="1"/>
+              <a:t>devtools</a:t>
+            </a:r>
+            <a:r>
+              <a:rPr lang="en-US" sz="5400" dirty="0"/>
+              <a:t>::</a:t>
+            </a:r>
+            <a:r>
+              <a:rPr lang="en-US" sz="5400" dirty="0">
+                <a:solidFill>
+                  <a:schemeClr val="accent1">
+                    <a:lumMod val="60000"/>
+                    <a:lumOff val="40000"/>
+                  </a:schemeClr>
+                </a:solidFill>
+              </a:rPr>
+              <a:t>check()</a:t>
+            </a:r>
+          </a:p>
+        </p:txBody>
+      </p:sp>
+    </p:spTree>
+    <p:extLst>
+      <p:ext uri="{BB962C8B-B14F-4D97-AF65-F5344CB8AC3E}">
+        <p14:creationId xmlns:p14="http://schemas.microsoft.com/office/powerpoint/2010/main" val="1033047137"/>
+      </p:ext>
+    </p:extLst>
+  </p:cSld>
+  <p:clrMapOvr>
+    <a:masterClrMapping/>
+  </p:clrMapOvr>
+</p:sld>
+</file>
+
+<file path=ppt/slides/slide18.xml><?xml version="1.0" encoding="utf-8"?>
+<p:sld xmlns:a="http://schemas.openxmlformats.org/drawingml/2006/main" xmlns:r="http://schemas.openxmlformats.org/officeDocument/2006/relationships" xmlns:p="http://schemas.openxmlformats.org/presentationml/2006/main">
+  <p:cSld>
+    <p:spTree>
+      <p:nvGrpSpPr>
+        <p:cNvPr id="1" name=""/>
+        <p:cNvGrpSpPr/>
+        <p:nvPr/>
+      </p:nvGrpSpPr>
+      <p:grpSpPr>
+        <a:xfrm>
+          <a:off x="0" y="0"/>
+          <a:ext cx="0" cy="0"/>
+          <a:chOff x="0" y="0"/>
+          <a:chExt cx="0" cy="0"/>
+        </a:xfrm>
+      </p:grpSpPr>
+      <p:sp>
+        <p:nvSpPr>
+          <p:cNvPr id="2" name="Title 1">
             <a:extLst>
               <a:ext uri="{FF2B5EF4-FFF2-40B4-BE49-F238E27FC236}">
-                <a16:creationId xmlns:a16="http://schemas.microsoft.com/office/drawing/2014/main" id="{B9A327DD-59C7-4386-974B-2B96D91AA32A}"/>
+                <a16:creationId xmlns:a16="http://schemas.microsoft.com/office/drawing/2014/main" id="{4DA197EC-75CE-4967-B49A-620F6D94CA9D}"/>
               </a:ext>
             </a:extLst>
           </p:cNvPr>
-          <p:cNvSpPr txBox="1"/>
-          <p:nvPr/>
+          <p:cNvSpPr>
+            <a:spLocks noGrp="1"/>
+          </p:cNvSpPr>
+          <p:nvPr>
+            <p:ph type="title"/>
+          </p:nvPr>
+        </p:nvSpPr>
+        <p:spPr/>
+        <p:txBody>
+          <a:bodyPr/>
+          <a:lstStyle/>
+          <a:p>
+            <a:r>
+              <a:rPr lang="en-US" dirty="0"/>
+              <a:t>Check</a:t>
+            </a:r>
+          </a:p>
+        </p:txBody>
+      </p:sp>
+      <p:sp>
+        <p:nvSpPr>
+          <p:cNvPr id="5" name="Content Placeholder 2">
+            <a:extLst>
+              <a:ext uri="{FF2B5EF4-FFF2-40B4-BE49-F238E27FC236}">
+                <a16:creationId xmlns:a16="http://schemas.microsoft.com/office/drawing/2014/main" id="{BD06129B-2CE7-4FE7-94A1-56E4F7AC577C}"/>
+              </a:ext>
+            </a:extLst>
+          </p:cNvPr>
+          <p:cNvSpPr>
+            <a:spLocks noGrp="1"/>
+          </p:cNvSpPr>
+          <p:nvPr>
+            <p:ph sz="half" idx="1"/>
+          </p:nvPr>
         </p:nvSpPr>
         <p:spPr>
           <a:xfrm>
-            <a:off x="1573968" y="2014194"/>
-            <a:ext cx="10329174" cy="3416320"/>
+            <a:off x="1066800" y="2103120"/>
+            <a:ext cx="10363200" cy="3749040"/>
           </a:xfrm>
-          <a:prstGeom prst="rect">
-            <a:avLst/>
-          </a:prstGeom>
-          <a:noFill/>
         </p:spPr>
         <p:txBody>
-          <a:bodyPr wrap="square" rtlCol="0">
-            <a:spAutoFit/>
+          <a:bodyPr>
+            <a:normAutofit/>
           </a:bodyPr>
           <a:lstStyle/>
           <a:p>
             <a:r>
               <a:rPr lang="en-US" sz="2400" dirty="0"/>
-              <a:t>Unit testing allows the developer to repeatedly test across all expectations </a:t>
-            </a:r>
-          </a:p>
-          <a:p>
-            <a:endParaRPr lang="en-US" sz="2400" dirty="0"/>
+              <a:t>Checks if R can build package</a:t>
+            </a:r>
           </a:p>
           <a:p>
             <a:r>
               <a:rPr lang="en-US" sz="2400" dirty="0"/>
-              <a:t>Creates tests/</a:t>
-            </a:r>
-            <a:r>
-              <a:rPr lang="en-US" sz="2400" dirty="0" err="1"/>
-              <a:t>testthat</a:t>
-            </a:r>
+              <a:t>Checks tests </a:t>
+            </a:r>
+          </a:p>
+          <a:p>
             <a:r>
               <a:rPr lang="en-US" sz="2400" dirty="0"/>
-              <a:t> folders</a:t>
-            </a:r>
-          </a:p>
-          <a:p>
-            <a:endParaRPr lang="en-US" sz="2400" dirty="0"/>
+              <a:t>Checks documentation</a:t>
+            </a:r>
           </a:p>
           <a:p>
             <a:r>
               <a:rPr lang="en-US" sz="2400" dirty="0"/>
-              <a:t>Creates new test within tests/</a:t>
-            </a:r>
-            <a:r>
-              <a:rPr lang="en-US" sz="2400" dirty="0" err="1"/>
-              <a:t>testthat</a:t>
-            </a:r>
-            <a:r>
-              <a:rPr lang="en-US" sz="2400" dirty="0"/>
-              <a:t> folder</a:t>
-            </a:r>
-          </a:p>
-          <a:p>
-            <a:endParaRPr lang="en-US" sz="2400" dirty="0"/>
-          </a:p>
-          <a:p>
-            <a:r>
-              <a:rPr lang="en-US" sz="2400" dirty="0"/>
-              <a:t>Organize tests within to be related</a:t>
-            </a:r>
-          </a:p>
-          <a:p>
-            <a:endParaRPr lang="en-US" sz="2400" dirty="0"/>
-          </a:p>
-        </p:txBody>
-      </p:sp>
-      <p:sp>
-        <p:nvSpPr>
-          <p:cNvPr id="12" name="Title 1">
+              <a:t>Returns warnings/errors/notes indicating things to update or fix if it finds any</a:t>
+            </a:r>
+          </a:p>
+        </p:txBody>
+      </p:sp>
+      <p:sp>
+        <p:nvSpPr>
+          <p:cNvPr id="7" name="Title 1">
             <a:extLst>
               <a:ext uri="{FF2B5EF4-FFF2-40B4-BE49-F238E27FC236}">
-                <a16:creationId xmlns:a16="http://schemas.microsoft.com/office/drawing/2014/main" id="{A72EB7F6-FD5F-49E5-B7AF-180B7BF551F9}"/>
+                <a16:creationId xmlns:a16="http://schemas.microsoft.com/office/drawing/2014/main" id="{378DF270-0406-4FA1-BC55-4E3247EA02F7}"/>
               </a:ext>
             </a:extLst>
           </p:cNvPr>
@@ -7967,8 +7884,8 @@
         </p:nvSpPr>
         <p:spPr>
           <a:xfrm>
-            <a:off x="288858" y="4425347"/>
-            <a:ext cx="11453437" cy="2280154"/>
+            <a:off x="1066800" y="642594"/>
+            <a:ext cx="10058400" cy="5310150"/>
           </a:xfrm>
           <a:prstGeom prst="rect">
             <a:avLst/>
@@ -8003,242 +7920,31 @@
           </a:lstStyle>
           <a:p>
             <a:pPr algn="ctr"/>
-            <a:r>
-              <a:rPr lang="en-US" sz="4400" dirty="0" err="1"/>
-              <a:t>usethis</a:t>
-            </a:r>
-            <a:r>
-              <a:rPr lang="en-US" sz="4400" dirty="0"/>
-              <a:t>::</a:t>
-            </a:r>
-            <a:r>
-              <a:rPr lang="en-US" sz="4400" dirty="0" err="1">
-                <a:solidFill>
-                  <a:schemeClr val="accent1">
-                    <a:lumMod val="60000"/>
-                    <a:lumOff val="40000"/>
-                  </a:schemeClr>
-                </a:solidFill>
-              </a:rPr>
-              <a:t>use_test</a:t>
-            </a:r>
-            <a:r>
-              <a:rPr lang="en-US" sz="4400" dirty="0">
-                <a:solidFill>
-                  <a:schemeClr val="accent1">
-                    <a:lumMod val="60000"/>
-                    <a:lumOff val="40000"/>
-                  </a:schemeClr>
-                </a:solidFill>
-              </a:rPr>
-              <a:t>(</a:t>
-            </a:r>
-            <a:r>
-              <a:rPr lang="en-US" sz="4400" dirty="0">
-                <a:solidFill>
-                  <a:srgbClr val="002060"/>
-                </a:solidFill>
-              </a:rPr>
-              <a:t>“new-test-name”</a:t>
-            </a:r>
-            <a:r>
-              <a:rPr lang="en-US" sz="4400" dirty="0">
-                <a:solidFill>
-                  <a:schemeClr val="accent1">
-                    <a:lumMod val="60000"/>
-                    <a:lumOff val="40000"/>
-                  </a:schemeClr>
-                </a:solidFill>
-              </a:rPr>
-              <a:t>)</a:t>
-            </a:r>
+            <a:endParaRPr lang="en-US" sz="5400" dirty="0">
+              <a:solidFill>
+                <a:schemeClr val="accent1">
+                  <a:lumMod val="60000"/>
+                  <a:lumOff val="40000"/>
+                </a:schemeClr>
+              </a:solidFill>
+            </a:endParaRPr>
           </a:p>
         </p:txBody>
       </p:sp>
     </p:spTree>
     <p:extLst>
       <p:ext uri="{BB962C8B-B14F-4D97-AF65-F5344CB8AC3E}">
-        <p14:creationId xmlns:p14="http://schemas.microsoft.com/office/powerpoint/2010/main" val="2617530438"/>
+        <p14:creationId xmlns:p14="http://schemas.microsoft.com/office/powerpoint/2010/main" val="3679795847"/>
       </p:ext>
     </p:extLst>
   </p:cSld>
   <p:clrMapOvr>
     <a:masterClrMapping/>
   </p:clrMapOvr>
-  <p:timing>
-    <p:tnLst>
-      <p:par>
-        <p:cTn id="1" dur="indefinite" restart="never" nodeType="tmRoot">
-          <p:childTnLst>
-            <p:seq concurrent="1" nextAc="seek">
-              <p:cTn id="2" dur="indefinite" nodeType="mainSeq">
-                <p:childTnLst>
-                  <p:par>
-                    <p:cTn id="3" fill="hold">
-                      <p:stCondLst>
-                        <p:cond delay="indefinite"/>
-                      </p:stCondLst>
-                      <p:childTnLst>
-                        <p:par>
-                          <p:cTn id="4" fill="hold">
-                            <p:stCondLst>
-                              <p:cond delay="0"/>
-                            </p:stCondLst>
-                            <p:childTnLst>
-                              <p:par>
-                                <p:cTn id="5" presetID="1" presetClass="entr" presetSubtype="0" fill="hold" grpId="0" nodeType="clickEffect">
-                                  <p:stCondLst>
-                                    <p:cond delay="0"/>
-                                  </p:stCondLst>
-                                  <p:childTnLst>
-                                    <p:set>
-                                      <p:cBhvr>
-                                        <p:cTn id="6" dur="1" fill="hold">
-                                          <p:stCondLst>
-                                            <p:cond delay="0"/>
-                                          </p:stCondLst>
-                                        </p:cTn>
-                                        <p:tgtEl>
-                                          <p:spTgt spid="2"/>
-                                        </p:tgtEl>
-                                        <p:attrNameLst>
-                                          <p:attrName>style.visibility</p:attrName>
-                                        </p:attrNameLst>
-                                      </p:cBhvr>
-                                      <p:to>
-                                        <p:strVal val="visible"/>
-                                      </p:to>
-                                    </p:set>
-                                  </p:childTnLst>
-                                </p:cTn>
-                              </p:par>
-                            </p:childTnLst>
-                          </p:cTn>
-                        </p:par>
-                      </p:childTnLst>
-                    </p:cTn>
-                  </p:par>
-                  <p:par>
-                    <p:cTn id="7" fill="hold">
-                      <p:stCondLst>
-                        <p:cond delay="indefinite"/>
-                      </p:stCondLst>
-                      <p:childTnLst>
-                        <p:par>
-                          <p:cTn id="8" fill="hold">
-                            <p:stCondLst>
-                              <p:cond delay="0"/>
-                            </p:stCondLst>
-                            <p:childTnLst>
-                              <p:par>
-                                <p:cTn id="9" presetID="1" presetClass="entr" presetSubtype="0" fill="hold" grpId="0" nodeType="clickEffect">
-                                  <p:stCondLst>
-                                    <p:cond delay="0"/>
-                                  </p:stCondLst>
-                                  <p:childTnLst>
-                                    <p:set>
-                                      <p:cBhvr>
-                                        <p:cTn id="10" dur="1" fill="hold">
-                                          <p:stCondLst>
-                                            <p:cond delay="0"/>
-                                          </p:stCondLst>
-                                        </p:cTn>
-                                        <p:tgtEl>
-                                          <p:spTgt spid="7"/>
-                                        </p:tgtEl>
-                                        <p:attrNameLst>
-                                          <p:attrName>style.visibility</p:attrName>
-                                        </p:attrNameLst>
-                                      </p:cBhvr>
-                                      <p:to>
-                                        <p:strVal val="visible"/>
-                                      </p:to>
-                                    </p:set>
-                                  </p:childTnLst>
-                                </p:cTn>
-                              </p:par>
-                            </p:childTnLst>
-                          </p:cTn>
-                        </p:par>
-                      </p:childTnLst>
-                    </p:cTn>
-                  </p:par>
-                  <p:par>
-                    <p:cTn id="11" fill="hold">
-                      <p:stCondLst>
-                        <p:cond delay="indefinite"/>
-                      </p:stCondLst>
-                      <p:childTnLst>
-                        <p:par>
-                          <p:cTn id="12" fill="hold">
-                            <p:stCondLst>
-                              <p:cond delay="0"/>
-                            </p:stCondLst>
-                            <p:childTnLst>
-                              <p:par>
-                                <p:cTn id="13" presetID="1" presetClass="entr" presetSubtype="0" fill="hold" grpId="0" nodeType="clickEffect">
-                                  <p:stCondLst>
-                                    <p:cond delay="0"/>
-                                  </p:stCondLst>
-                                  <p:childTnLst>
-                                    <p:set>
-                                      <p:cBhvr>
-                                        <p:cTn id="14" dur="1" fill="hold">
-                                          <p:stCondLst>
-                                            <p:cond delay="0"/>
-                                          </p:stCondLst>
-                                        </p:cTn>
-                                        <p:tgtEl>
-                                          <p:spTgt spid="12"/>
-                                        </p:tgtEl>
-                                        <p:attrNameLst>
-                                          <p:attrName>style.visibility</p:attrName>
-                                        </p:attrNameLst>
-                                      </p:cBhvr>
-                                      <p:to>
-                                        <p:strVal val="visible"/>
-                                      </p:to>
-                                    </p:set>
-                                  </p:childTnLst>
-                                </p:cTn>
-                              </p:par>
-                            </p:childTnLst>
-                          </p:cTn>
-                        </p:par>
-                      </p:childTnLst>
-                    </p:cTn>
-                  </p:par>
-                </p:childTnLst>
-              </p:cTn>
-              <p:prevCondLst>
-                <p:cond evt="onPrev" delay="0">
-                  <p:tgtEl>
-                    <p:sldTgt/>
-                  </p:tgtEl>
-                </p:cond>
-              </p:prevCondLst>
-              <p:nextCondLst>
-                <p:cond evt="onNext" delay="0">
-                  <p:tgtEl>
-                    <p:sldTgt/>
-                  </p:tgtEl>
-                </p:cond>
-              </p:nextCondLst>
-            </p:seq>
-          </p:childTnLst>
-        </p:cTn>
-      </p:par>
-    </p:tnLst>
-    <p:bldLst>
-      <p:bldP spid="2" grpId="0"/>
-      <p:bldP spid="7" grpId="0"/>
-      <p:bldP spid="12" grpId="0"/>
-    </p:bldLst>
-  </p:timing>
 </p:sld>
 </file>
 
-<file path=ppt/slides/slide18.xml><?xml version="1.0" encoding="utf-8"?>
+<file path=ppt/slides/slide19.xml><?xml version="1.0" encoding="utf-8"?>
 <p:sld xmlns:a="http://schemas.openxmlformats.org/drawingml/2006/main" xmlns:r="http://schemas.openxmlformats.org/officeDocument/2006/relationships" xmlns:p="http://schemas.openxmlformats.org/presentationml/2006/main">
   <p:cSld>
     <p:spTree>
@@ -8260,6 +7966,167 @@
           <p:cNvPr id="2" name="Title 1">
             <a:extLst>
               <a:ext uri="{FF2B5EF4-FFF2-40B4-BE49-F238E27FC236}">
+                <a16:creationId xmlns:a16="http://schemas.microsoft.com/office/drawing/2014/main" id="{7614332B-4F24-42F4-A704-A6F1183E9470}"/>
+              </a:ext>
+            </a:extLst>
+          </p:cNvPr>
+          <p:cNvSpPr>
+            <a:spLocks noGrp="1"/>
+          </p:cNvSpPr>
+          <p:nvPr>
+            <p:ph type="ctrTitle"/>
+          </p:nvPr>
+        </p:nvSpPr>
+        <p:spPr/>
+        <p:txBody>
+          <a:bodyPr>
+            <a:normAutofit/>
+          </a:bodyPr>
+          <a:lstStyle/>
+          <a:p>
+            <a:r>
+              <a:rPr lang="en-US" dirty="0" err="1"/>
+              <a:t>devtools</a:t>
+            </a:r>
+            <a:endParaRPr lang="en-US" dirty="0"/>
+          </a:p>
+        </p:txBody>
+      </p:sp>
+    </p:spTree>
+    <p:extLst>
+      <p:ext uri="{BB962C8B-B14F-4D97-AF65-F5344CB8AC3E}">
+        <p14:creationId xmlns:p14="http://schemas.microsoft.com/office/powerpoint/2010/main" val="2433136996"/>
+      </p:ext>
+    </p:extLst>
+  </p:cSld>
+  <p:clrMapOvr>
+    <a:masterClrMapping/>
+  </p:clrMapOvr>
+</p:sld>
+</file>
+
+<file path=ppt/slides/slide2.xml><?xml version="1.0" encoding="utf-8"?>
+<p:sld xmlns:a="http://schemas.openxmlformats.org/drawingml/2006/main" xmlns:r="http://schemas.openxmlformats.org/officeDocument/2006/relationships" xmlns:p="http://schemas.openxmlformats.org/presentationml/2006/main">
+  <p:cSld>
+    <p:spTree>
+      <p:nvGrpSpPr>
+        <p:cNvPr id="1" name=""/>
+        <p:cNvGrpSpPr/>
+        <p:nvPr/>
+      </p:nvGrpSpPr>
+      <p:grpSpPr>
+        <a:xfrm>
+          <a:off x="0" y="0"/>
+          <a:ext cx="0" cy="0"/>
+          <a:chOff x="0" y="0"/>
+          <a:chExt cx="0" cy="0"/>
+        </a:xfrm>
+      </p:grpSpPr>
+      <p:sp>
+        <p:nvSpPr>
+          <p:cNvPr id="2" name="Title 1">
+            <a:extLst>
+              <a:ext uri="{FF2B5EF4-FFF2-40B4-BE49-F238E27FC236}">
+                <a16:creationId xmlns:a16="http://schemas.microsoft.com/office/drawing/2014/main" id="{749E0D1B-C9EF-4CB6-9922-ED9D4AC52C59}"/>
+              </a:ext>
+            </a:extLst>
+          </p:cNvPr>
+          <p:cNvSpPr>
+            <a:spLocks noGrp="1"/>
+          </p:cNvSpPr>
+          <p:nvPr>
+            <p:ph type="title"/>
+          </p:nvPr>
+        </p:nvSpPr>
+        <p:spPr/>
+        <p:txBody>
+          <a:bodyPr/>
+          <a:lstStyle/>
+          <a:p>
+            <a:r>
+              <a:rPr lang="en-US" dirty="0"/>
+              <a:t>Welcome</a:t>
+            </a:r>
+          </a:p>
+        </p:txBody>
+      </p:sp>
+      <p:sp>
+        <p:nvSpPr>
+          <p:cNvPr id="5" name="Content Placeholder 4">
+            <a:extLst>
+              <a:ext uri="{FF2B5EF4-FFF2-40B4-BE49-F238E27FC236}">
+                <a16:creationId xmlns:a16="http://schemas.microsoft.com/office/drawing/2014/main" id="{7E558183-391D-4056-BC02-A181C5440B05}"/>
+              </a:ext>
+            </a:extLst>
+          </p:cNvPr>
+          <p:cNvSpPr>
+            <a:spLocks noGrp="1"/>
+          </p:cNvSpPr>
+          <p:nvPr>
+            <p:ph idx="1"/>
+          </p:nvPr>
+        </p:nvSpPr>
+        <p:spPr/>
+        <p:txBody>
+          <a:bodyPr>
+            <a:normAutofit/>
+          </a:bodyPr>
+          <a:lstStyle/>
+          <a:p>
+            <a:r>
+              <a:rPr lang="en-US" sz="2400" dirty="0"/>
+              <a:t>Documenting Functions with {roxygen2}</a:t>
+            </a:r>
+          </a:p>
+          <a:p>
+            <a:r>
+              <a:rPr lang="en-US" sz="2400" dirty="0"/>
+              <a:t>Long-form documentation in R packages</a:t>
+            </a:r>
+          </a:p>
+          <a:p>
+            <a:r>
+              <a:rPr lang="en-US" sz="2400" dirty="0"/>
+              <a:t>Checking your R package</a:t>
+            </a:r>
+          </a:p>
+        </p:txBody>
+      </p:sp>
+    </p:spTree>
+    <p:extLst>
+      <p:ext uri="{BB962C8B-B14F-4D97-AF65-F5344CB8AC3E}">
+        <p14:creationId xmlns:p14="http://schemas.microsoft.com/office/powerpoint/2010/main" val="1601236187"/>
+      </p:ext>
+    </p:extLst>
+  </p:cSld>
+  <p:clrMapOvr>
+    <a:masterClrMapping/>
+  </p:clrMapOvr>
+</p:sld>
+</file>
+
+<file path=ppt/slides/slide20.xml><?xml version="1.0" encoding="utf-8"?>
+<p:sld xmlns:a="http://schemas.openxmlformats.org/drawingml/2006/main" xmlns:r="http://schemas.openxmlformats.org/officeDocument/2006/relationships" xmlns:p="http://schemas.openxmlformats.org/presentationml/2006/main">
+  <p:cSld>
+    <p:spTree>
+      <p:nvGrpSpPr>
+        <p:cNvPr id="1" name=""/>
+        <p:cNvGrpSpPr/>
+        <p:nvPr/>
+      </p:nvGrpSpPr>
+      <p:grpSpPr>
+        <a:xfrm>
+          <a:off x="0" y="0"/>
+          <a:ext cx="0" cy="0"/>
+          <a:chOff x="0" y="0"/>
+          <a:chExt cx="0" cy="0"/>
+        </a:xfrm>
+      </p:grpSpPr>
+      <p:sp>
+        <p:nvSpPr>
+          <p:cNvPr id="2" name="Title 1">
+            <a:extLst>
+              <a:ext uri="{FF2B5EF4-FFF2-40B4-BE49-F238E27FC236}">
                 <a16:creationId xmlns:a16="http://schemas.microsoft.com/office/drawing/2014/main" id="{74FF8AFB-2220-429D-9580-FECCA22240E4}"/>
               </a:ext>
             </a:extLst>
@@ -8314,18 +8181,48 @@
           <a:p>
             <a:r>
               <a:rPr lang="en-US" sz="2400" dirty="0"/>
-              <a:t>Automates workflows and creation of files and folders done as part of package development</a:t>
+              <a:t>Automates common tasks while developing an R package</a:t>
             </a:r>
           </a:p>
           <a:p>
             <a:pPr lvl="1"/>
             <a:r>
               <a:rPr lang="en-US" sz="2000" dirty="0"/>
-              <a:t>Creating the R package skeleton – </a:t>
+              <a:t>Parse documentation – </a:t>
             </a:r>
             <a:r>
               <a:rPr lang="en-US" sz="2000" dirty="0" err="1"/>
-              <a:t>usethis</a:t>
+              <a:t>devtools</a:t>
+            </a:r>
+            <a:r>
+              <a:rPr lang="en-US" sz="2000" dirty="0"/>
+              <a:t>::document()</a:t>
+            </a:r>
+          </a:p>
+          <a:p>
+            <a:pPr lvl="1"/>
+            <a:r>
+              <a:rPr lang="en-US" sz="2000" dirty="0"/>
+              <a:t>Evaluate all tests in a package – </a:t>
+            </a:r>
+            <a:r>
+              <a:rPr lang="en-US" sz="2000" dirty="0" err="1"/>
+              <a:t>devtools</a:t>
+            </a:r>
+            <a:r>
+              <a:rPr lang="en-US" sz="2000" dirty="0"/>
+              <a:t>::test()</a:t>
+            </a:r>
+          </a:p>
+          <a:p>
+            <a:pPr lvl="1"/>
+            <a:r>
+              <a:rPr lang="en-US" sz="2000" dirty="0"/>
+              <a:t>Evaluate a specific test file in a package – </a:t>
+            </a:r>
+            <a:r>
+              <a:rPr lang="en-US" sz="2000" dirty="0" err="1"/>
+              <a:t>devtools</a:t>
             </a:r>
             <a:r>
               <a:rPr lang="en-US" sz="2000" dirty="0"/>
@@ -8333,7 +8230,7 @@
             </a:r>
             <a:r>
               <a:rPr lang="en-US" sz="2000" dirty="0" err="1"/>
-              <a:t>create_package</a:t>
+              <a:t>test_active_file</a:t>
             </a:r>
             <a:r>
               <a:rPr lang="en-US" sz="2000" dirty="0"/>
@@ -8344,11 +8241,26 @@
             <a:pPr lvl="1"/>
             <a:r>
               <a:rPr lang="en-US" sz="2000" dirty="0"/>
-              <a:t>Adding a license – </a:t>
+              <a:t>Check package for best practices – </a:t>
             </a:r>
             <a:r>
               <a:rPr lang="en-US" sz="2000" dirty="0" err="1"/>
-              <a:t>usethis</a:t>
+              <a:t>devtools</a:t>
+            </a:r>
+            <a:r>
+              <a:rPr lang="en-US" sz="2000" dirty="0"/>
+              <a:t>::check()</a:t>
+            </a:r>
+          </a:p>
+          <a:p>
+            <a:pPr lvl="1"/>
+            <a:r>
+              <a:rPr lang="en-US" sz="2000" dirty="0"/>
+              <a:t>Load all package functions – </a:t>
+            </a:r>
+            <a:r>
+              <a:rPr lang="en-US" sz="2000" dirty="0" err="1"/>
+              <a:t>devtools</a:t>
             </a:r>
             <a:r>
               <a:rPr lang="en-US" sz="2000" dirty="0"/>
@@ -8356,7 +8268,7 @@
             </a:r>
             <a:r>
               <a:rPr lang="en-US" sz="2000" dirty="0" err="1"/>
-              <a:t>use_license</a:t>
+              <a:t>load_all</a:t>
             </a:r>
             <a:r>
               <a:rPr lang="en-US" sz="2000" dirty="0"/>
@@ -8367,11 +8279,34 @@
             <a:pPr lvl="1"/>
             <a:r>
               <a:rPr lang="en-US" sz="2000" dirty="0"/>
-              <a:t>Create a new R script – </a:t>
+              <a:t>Install package from source – </a:t>
             </a:r>
             <a:r>
               <a:rPr lang="en-US" sz="2000" dirty="0" err="1"/>
-              <a:t>usethis</a:t>
+              <a:t>devtools</a:t>
+            </a:r>
+            <a:r>
+              <a:rPr lang="en-US" sz="2000" dirty="0"/>
+              <a:t>::install()</a:t>
+            </a:r>
+          </a:p>
+          <a:p>
+            <a:pPr lvl="1"/>
+            <a:r>
+              <a:rPr lang="en-US" sz="2000" dirty="0"/>
+              <a:t>Install package from remote source i.e. </a:t>
+            </a:r>
+            <a:r>
+              <a:rPr lang="en-US" sz="2000" dirty="0" err="1"/>
+              <a:t>github</a:t>
+            </a:r>
+            <a:r>
+              <a:rPr lang="en-US" sz="2000" dirty="0"/>
+              <a:t> – </a:t>
+            </a:r>
+            <a:r>
+              <a:rPr lang="en-US" sz="2000" dirty="0" err="1"/>
+              <a:t>devtools</a:t>
             </a:r>
             <a:r>
               <a:rPr lang="en-US" sz="2000" dirty="0"/>
@@ -8379,76 +8314,7 @@
             </a:r>
             <a:r>
               <a:rPr lang="en-US" sz="2000" dirty="0" err="1"/>
-              <a:t>use_r</a:t>
-            </a:r>
-            <a:r>
-              <a:rPr lang="en-US" sz="2000" dirty="0"/>
-              <a:t>() </a:t>
-            </a:r>
-          </a:p>
-          <a:p>
-            <a:pPr lvl="1"/>
-            <a:r>
-              <a:rPr lang="en-US" sz="2000" dirty="0"/>
-              <a:t>Add package to DESCRIPTION file – </a:t>
-            </a:r>
-            <a:r>
-              <a:rPr lang="en-US" sz="2000" dirty="0" err="1"/>
-              <a:t>usethis</a:t>
-            </a:r>
-            <a:r>
-              <a:rPr lang="en-US" sz="2000" dirty="0"/>
-              <a:t>::</a:t>
-            </a:r>
-            <a:r>
-              <a:rPr lang="en-US" sz="2000" dirty="0" err="1"/>
-              <a:t>use_package</a:t>
-            </a:r>
-            <a:r>
-              <a:rPr lang="en-US" sz="2000" dirty="0"/>
-              <a:t>()</a:t>
-            </a:r>
-          </a:p>
-          <a:p>
-            <a:pPr lvl="1"/>
-            <a:r>
-              <a:rPr lang="en-US" sz="2000" dirty="0"/>
-              <a:t>Create a new test – </a:t>
-            </a:r>
-            <a:r>
-              <a:rPr lang="en-US" sz="2000" dirty="0" err="1"/>
-              <a:t>usethis</a:t>
-            </a:r>
-            <a:r>
-              <a:rPr lang="en-US" sz="2000" dirty="0"/>
-              <a:t>::</a:t>
-            </a:r>
-            <a:r>
-              <a:rPr lang="en-US" sz="2000" dirty="0" err="1"/>
-              <a:t>use_test</a:t>
-            </a:r>
-            <a:r>
-              <a:rPr lang="en-US" sz="2000" dirty="0"/>
-              <a:t>()</a:t>
-            </a:r>
-          </a:p>
-          <a:p>
-            <a:pPr lvl="1"/>
-            <a:r>
-              <a:rPr lang="en-US" sz="2000" dirty="0"/>
-              <a:t>Create Vignette – </a:t>
-            </a:r>
-            <a:r>
-              <a:rPr lang="en-US" sz="2000" dirty="0" err="1"/>
-              <a:t>useths</a:t>
-            </a:r>
-            <a:r>
-              <a:rPr lang="en-US" sz="2000" dirty="0"/>
-              <a:t>::</a:t>
-            </a:r>
-            <a:r>
-              <a:rPr lang="en-US" sz="2000" dirty="0" err="1"/>
-              <a:t>use_vignette</a:t>
+              <a:t>install_github</a:t>
             </a:r>
             <a:r>
               <a:rPr lang="en-US" sz="2000" dirty="0"/>
@@ -8527,7 +8393,7 @@
               <a:rPr lang="en-US" sz="4400" dirty="0">
                 <a:hlinkClick r:id="rId3"/>
               </a:rPr>
-              <a:t>usethis.</a:t>
+              <a:t>devtools.</a:t>
             </a:r>
             <a:r>
               <a:rPr lang="en-US" sz="4400" dirty="0">
@@ -8652,7 +8518,7 @@
 </p:sld>
 </file>
 
-<file path=ppt/slides/slide19.xml><?xml version="1.0" encoding="utf-8"?>
+<file path=ppt/slides/slide21.xml><?xml version="1.0" encoding="utf-8"?>
 <p:sld xmlns:a="http://schemas.openxmlformats.org/drawingml/2006/main" xmlns:r="http://schemas.openxmlformats.org/officeDocument/2006/relationships" xmlns:p="http://schemas.openxmlformats.org/presentationml/2006/main">
   <p:cSld>
     <p:spTree>
@@ -8747,106 +8613,6 @@
     <p:extLst>
       <p:ext uri="{BB962C8B-B14F-4D97-AF65-F5344CB8AC3E}">
         <p14:creationId xmlns:p14="http://schemas.microsoft.com/office/powerpoint/2010/main" val="901462192"/>
-      </p:ext>
-    </p:extLst>
-  </p:cSld>
-  <p:clrMapOvr>
-    <a:masterClrMapping/>
-  </p:clrMapOvr>
-</p:sld>
-</file>
-
-<file path=ppt/slides/slide2.xml><?xml version="1.0" encoding="utf-8"?>
-<p:sld xmlns:a="http://schemas.openxmlformats.org/drawingml/2006/main" xmlns:r="http://schemas.openxmlformats.org/officeDocument/2006/relationships" xmlns:p="http://schemas.openxmlformats.org/presentationml/2006/main">
-  <p:cSld>
-    <p:spTree>
-      <p:nvGrpSpPr>
-        <p:cNvPr id="1" name=""/>
-        <p:cNvGrpSpPr/>
-        <p:nvPr/>
-      </p:nvGrpSpPr>
-      <p:grpSpPr>
-        <a:xfrm>
-          <a:off x="0" y="0"/>
-          <a:ext cx="0" cy="0"/>
-          <a:chOff x="0" y="0"/>
-          <a:chExt cx="0" cy="0"/>
-        </a:xfrm>
-      </p:grpSpPr>
-      <p:sp>
-        <p:nvSpPr>
-          <p:cNvPr id="2" name="Title 1">
-            <a:extLst>
-              <a:ext uri="{FF2B5EF4-FFF2-40B4-BE49-F238E27FC236}">
-                <a16:creationId xmlns:a16="http://schemas.microsoft.com/office/drawing/2014/main" id="{749E0D1B-C9EF-4CB6-9922-ED9D4AC52C59}"/>
-              </a:ext>
-            </a:extLst>
-          </p:cNvPr>
-          <p:cNvSpPr>
-            <a:spLocks noGrp="1"/>
-          </p:cNvSpPr>
-          <p:nvPr>
-            <p:ph type="title"/>
-          </p:nvPr>
-        </p:nvSpPr>
-        <p:spPr/>
-        <p:txBody>
-          <a:bodyPr/>
-          <a:lstStyle/>
-          <a:p>
-            <a:r>
-              <a:rPr lang="en-US" dirty="0"/>
-              <a:t>Welcome</a:t>
-            </a:r>
-          </a:p>
-        </p:txBody>
-      </p:sp>
-      <p:sp>
-        <p:nvSpPr>
-          <p:cNvPr id="5" name="Content Placeholder 4">
-            <a:extLst>
-              <a:ext uri="{FF2B5EF4-FFF2-40B4-BE49-F238E27FC236}">
-                <a16:creationId xmlns:a16="http://schemas.microsoft.com/office/drawing/2014/main" id="{7E558183-391D-4056-BC02-A181C5440B05}"/>
-              </a:ext>
-            </a:extLst>
-          </p:cNvPr>
-          <p:cNvSpPr>
-            <a:spLocks noGrp="1"/>
-          </p:cNvSpPr>
-          <p:nvPr>
-            <p:ph idx="1"/>
-          </p:nvPr>
-        </p:nvSpPr>
-        <p:spPr/>
-        <p:txBody>
-          <a:bodyPr>
-            <a:normAutofit/>
-          </a:bodyPr>
-          <a:lstStyle/>
-          <a:p>
-            <a:r>
-              <a:rPr lang="en-US" sz="2400" dirty="0"/>
-              <a:t>Documenting Functions with {roxygen2}</a:t>
-            </a:r>
-          </a:p>
-          <a:p>
-            <a:r>
-              <a:rPr lang="en-US" sz="2400" dirty="0"/>
-              <a:t>Long-form documentation in R packages</a:t>
-            </a:r>
-          </a:p>
-          <a:p>
-            <a:r>
-              <a:rPr lang="en-US" sz="2400" dirty="0"/>
-              <a:t>Checking your R package</a:t>
-            </a:r>
-          </a:p>
-        </p:txBody>
-      </p:sp>
-    </p:spTree>
-    <p:extLst>
-      <p:ext uri="{BB962C8B-B14F-4D97-AF65-F5344CB8AC3E}">
-        <p14:creationId xmlns:p14="http://schemas.microsoft.com/office/powerpoint/2010/main" val="1601236187"/>
       </p:ext>
     </p:extLst>
   </p:cSld>
@@ -9159,7 +8925,7 @@
           <p:nvPr/>
         </p:nvPicPr>
         <p:blipFill>
-          <a:blip r:embed="rId2"/>
+          <a:blip r:embed="rId3"/>
           <a:stretch>
             <a:fillRect/>
           </a:stretch>
@@ -9531,17 +9297,17 @@
           <a:p>
             <a:r>
               <a:rPr lang="en-US" dirty="0"/>
-              <a:t>Roxygen2</a:t>
-            </a:r>
-          </a:p>
-        </p:txBody>
-      </p:sp>
-      <p:sp>
-        <p:nvSpPr>
-          <p:cNvPr id="5" name="Content Placeholder 2">
+              <a:t>/man folder</a:t>
+            </a:r>
+          </a:p>
+        </p:txBody>
+      </p:sp>
+      <p:sp>
+        <p:nvSpPr>
+          <p:cNvPr id="3" name="Content Placeholder 2">
             <a:extLst>
               <a:ext uri="{FF2B5EF4-FFF2-40B4-BE49-F238E27FC236}">
-                <a16:creationId xmlns:a16="http://schemas.microsoft.com/office/drawing/2014/main" id="{BD06129B-2CE7-4FE7-94A1-56E4F7AC577C}"/>
+                <a16:creationId xmlns:a16="http://schemas.microsoft.com/office/drawing/2014/main" id="{8AB0FEEC-3BEF-46E7-912B-C736F42B180B}"/>
               </a:ext>
             </a:extLst>
           </p:cNvPr>
@@ -9555,7 +9321,7 @@
         <p:spPr>
           <a:xfrm>
             <a:off x="1066800" y="2103120"/>
-            <a:ext cx="10363200" cy="3749040"/>
+            <a:ext cx="4572376" cy="3749040"/>
           </a:xfrm>
         </p:spPr>
         <p:txBody>
@@ -9564,89 +9330,46 @@
           </a:bodyPr>
           <a:lstStyle/>
           <a:p>
-            <a:pPr marL="342900" indent="-342900">
-              <a:buFont typeface="+mj-lt"/>
-              <a:buAutoNum type="arabicPeriod"/>
-            </a:pPr>
             <a:r>
               <a:rPr lang="en-US" sz="2400" dirty="0"/>
-              <a:t>INLINE with package</a:t>
-            </a:r>
-          </a:p>
-          <a:p>
-            <a:pPr marL="342900" indent="-342900">
-              <a:buFont typeface="+mj-lt"/>
-              <a:buAutoNum type="arabicPeriod"/>
-            </a:pPr>
+              <a:t>Folder in package</a:t>
+            </a:r>
+          </a:p>
+          <a:p>
             <a:r>
               <a:rPr lang="en-US" sz="2400" dirty="0"/>
-              <a:t>structured comments</a:t>
-            </a:r>
-          </a:p>
-          <a:p>
-            <a:pPr marL="617220" lvl="1" indent="-342900">
-              <a:buFont typeface="+mj-lt"/>
-              <a:buAutoNum type="arabicPeriod"/>
-            </a:pPr>
+              <a:t>“R Documentation“ format </a:t>
+            </a:r>
+          </a:p>
+          <a:p>
+            <a:r>
+              <a:rPr lang="en-US" sz="2400" dirty="0"/>
+              <a:t>(La)</a:t>
+            </a:r>
+            <a:r>
+              <a:rPr lang="en-US" sz="2400" dirty="0" err="1"/>
+              <a:t>TeX</a:t>
+            </a:r>
+            <a:r>
+              <a:rPr lang="en-US" sz="2400" dirty="0"/>
+              <a:t>-like</a:t>
+            </a:r>
+            <a:endParaRPr lang="en-US" sz="2200" dirty="0"/>
+          </a:p>
+          <a:p>
             <a:r>
               <a:rPr lang="en-US" sz="2200" dirty="0"/>
-              <a:t>Title</a:t>
-            </a:r>
-          </a:p>
-          <a:p>
-            <a:pPr marL="617220" lvl="1" indent="-342900">
-              <a:buFont typeface="+mj-lt"/>
-              <a:buAutoNum type="arabicPeriod"/>
-            </a:pPr>
-            <a:r>
-              <a:rPr lang="en-US" sz="2200" dirty="0"/>
-              <a:t>Description</a:t>
-            </a:r>
-          </a:p>
-          <a:p>
-            <a:pPr marL="617220" lvl="1" indent="-342900">
-              <a:buFont typeface="+mj-lt"/>
-              <a:buAutoNum type="arabicPeriod"/>
-            </a:pPr>
-            <a:r>
-              <a:rPr lang="en-US" sz="2200" dirty="0"/>
-              <a:t>Parameters (arguments)</a:t>
-            </a:r>
-          </a:p>
-          <a:p>
-            <a:pPr marL="617220" lvl="1" indent="-342900">
-              <a:buFont typeface="+mj-lt"/>
-              <a:buAutoNum type="arabicPeriod"/>
-            </a:pPr>
-            <a:r>
-              <a:rPr lang="en-US" sz="2200" dirty="0"/>
-              <a:t>Returns</a:t>
-            </a:r>
-          </a:p>
-          <a:p>
-            <a:pPr marL="617220" lvl="1" indent="-342900">
-              <a:buFont typeface="+mj-lt"/>
-              <a:buAutoNum type="arabicPeriod"/>
-            </a:pPr>
-            <a:r>
-              <a:rPr lang="en-US" sz="2200" dirty="0"/>
-              <a:t>Examples</a:t>
-            </a:r>
-          </a:p>
-          <a:p>
-            <a:pPr marL="274320" lvl="1" indent="0">
-              <a:buNone/>
-            </a:pPr>
-            <a:endParaRPr lang="en-US" sz="2000" dirty="0"/>
+              <a:t>Can be difficult to write correctly</a:t>
+            </a:r>
           </a:p>
         </p:txBody>
       </p:sp>
       <p:pic>
         <p:nvPicPr>
-          <p:cNvPr id="6" name="Picture 5">
+          <p:cNvPr id="5" name="Picture 4">
             <a:extLst>
               <a:ext uri="{FF2B5EF4-FFF2-40B4-BE49-F238E27FC236}">
-                <a16:creationId xmlns:a16="http://schemas.microsoft.com/office/drawing/2014/main" id="{1EB7D8F5-DE65-463F-91E1-5FDD82D9229C}"/>
+                <a16:creationId xmlns:a16="http://schemas.microsoft.com/office/drawing/2014/main" id="{DB78A6B1-9B80-4DD4-978B-5887D453515F}"/>
               </a:ext>
             </a:extLst>
           </p:cNvPr>
@@ -9663,8 +9386,432 @@
         </p:blipFill>
         <p:spPr>
           <a:xfrm>
-            <a:off x="5481325" y="2103120"/>
-            <a:ext cx="6156686" cy="3111161"/>
+            <a:off x="5639176" y="531159"/>
+            <a:ext cx="6300039" cy="5795682"/>
+          </a:xfrm>
+          <a:prstGeom prst="rect">
+            <a:avLst/>
+          </a:prstGeom>
+        </p:spPr>
+      </p:pic>
+    </p:spTree>
+    <p:extLst>
+      <p:ext uri="{BB962C8B-B14F-4D97-AF65-F5344CB8AC3E}">
+        <p14:creationId xmlns:p14="http://schemas.microsoft.com/office/powerpoint/2010/main" val="2006383004"/>
+      </p:ext>
+    </p:extLst>
+  </p:cSld>
+  <p:clrMapOvr>
+    <a:masterClrMapping/>
+  </p:clrMapOvr>
+  <p:timing>
+    <p:tnLst>
+      <p:par>
+        <p:cTn id="1" dur="indefinite" restart="never" nodeType="tmRoot">
+          <p:childTnLst>
+            <p:seq concurrent="1" nextAc="seek">
+              <p:cTn id="2" dur="indefinite" nodeType="mainSeq">
+                <p:childTnLst>
+                  <p:par>
+                    <p:cTn id="3" fill="hold">
+                      <p:stCondLst>
+                        <p:cond delay="indefinite"/>
+                      </p:stCondLst>
+                      <p:childTnLst>
+                        <p:par>
+                          <p:cTn id="4" fill="hold">
+                            <p:stCondLst>
+                              <p:cond delay="0"/>
+                            </p:stCondLst>
+                            <p:childTnLst>
+                              <p:par>
+                                <p:cTn id="5" presetID="1" presetClass="entr" presetSubtype="0" fill="hold" grpId="0" nodeType="clickEffect">
+                                  <p:stCondLst>
+                                    <p:cond delay="0"/>
+                                  </p:stCondLst>
+                                  <p:childTnLst>
+                                    <p:set>
+                                      <p:cBhvr>
+                                        <p:cTn id="6" dur="1" fill="hold">
+                                          <p:stCondLst>
+                                            <p:cond delay="0"/>
+                                          </p:stCondLst>
+                                        </p:cTn>
+                                        <p:tgtEl>
+                                          <p:spTgt spid="3">
+                                            <p:txEl>
+                                              <p:pRg st="0" end="0"/>
+                                            </p:txEl>
+                                          </p:spTgt>
+                                        </p:tgtEl>
+                                        <p:attrNameLst>
+                                          <p:attrName>style.visibility</p:attrName>
+                                        </p:attrNameLst>
+                                      </p:cBhvr>
+                                      <p:to>
+                                        <p:strVal val="visible"/>
+                                      </p:to>
+                                    </p:set>
+                                  </p:childTnLst>
+                                </p:cTn>
+                              </p:par>
+                            </p:childTnLst>
+                          </p:cTn>
+                        </p:par>
+                      </p:childTnLst>
+                    </p:cTn>
+                  </p:par>
+                  <p:par>
+                    <p:cTn id="7" fill="hold">
+                      <p:stCondLst>
+                        <p:cond delay="indefinite"/>
+                      </p:stCondLst>
+                      <p:childTnLst>
+                        <p:par>
+                          <p:cTn id="8" fill="hold">
+                            <p:stCondLst>
+                              <p:cond delay="0"/>
+                            </p:stCondLst>
+                            <p:childTnLst>
+                              <p:par>
+                                <p:cTn id="9" presetID="1" presetClass="entr" presetSubtype="0" fill="hold" grpId="0" nodeType="clickEffect">
+                                  <p:stCondLst>
+                                    <p:cond delay="0"/>
+                                  </p:stCondLst>
+                                  <p:childTnLst>
+                                    <p:set>
+                                      <p:cBhvr>
+                                        <p:cTn id="10" dur="1" fill="hold">
+                                          <p:stCondLst>
+                                            <p:cond delay="0"/>
+                                          </p:stCondLst>
+                                        </p:cTn>
+                                        <p:tgtEl>
+                                          <p:spTgt spid="3">
+                                            <p:txEl>
+                                              <p:pRg st="1" end="1"/>
+                                            </p:txEl>
+                                          </p:spTgt>
+                                        </p:tgtEl>
+                                        <p:attrNameLst>
+                                          <p:attrName>style.visibility</p:attrName>
+                                        </p:attrNameLst>
+                                      </p:cBhvr>
+                                      <p:to>
+                                        <p:strVal val="visible"/>
+                                      </p:to>
+                                    </p:set>
+                                  </p:childTnLst>
+                                </p:cTn>
+                              </p:par>
+                            </p:childTnLst>
+                          </p:cTn>
+                        </p:par>
+                      </p:childTnLst>
+                    </p:cTn>
+                  </p:par>
+                  <p:par>
+                    <p:cTn id="11" fill="hold">
+                      <p:stCondLst>
+                        <p:cond delay="indefinite"/>
+                      </p:stCondLst>
+                      <p:childTnLst>
+                        <p:par>
+                          <p:cTn id="12" fill="hold">
+                            <p:stCondLst>
+                              <p:cond delay="0"/>
+                            </p:stCondLst>
+                            <p:childTnLst>
+                              <p:par>
+                                <p:cTn id="13" presetID="1" presetClass="entr" presetSubtype="0" fill="hold" grpId="0" nodeType="clickEffect">
+                                  <p:stCondLst>
+                                    <p:cond delay="0"/>
+                                  </p:stCondLst>
+                                  <p:childTnLst>
+                                    <p:set>
+                                      <p:cBhvr>
+                                        <p:cTn id="14" dur="1" fill="hold">
+                                          <p:stCondLst>
+                                            <p:cond delay="0"/>
+                                          </p:stCondLst>
+                                        </p:cTn>
+                                        <p:tgtEl>
+                                          <p:spTgt spid="3">
+                                            <p:txEl>
+                                              <p:pRg st="2" end="2"/>
+                                            </p:txEl>
+                                          </p:spTgt>
+                                        </p:tgtEl>
+                                        <p:attrNameLst>
+                                          <p:attrName>style.visibility</p:attrName>
+                                        </p:attrNameLst>
+                                      </p:cBhvr>
+                                      <p:to>
+                                        <p:strVal val="visible"/>
+                                      </p:to>
+                                    </p:set>
+                                  </p:childTnLst>
+                                </p:cTn>
+                              </p:par>
+                            </p:childTnLst>
+                          </p:cTn>
+                        </p:par>
+                      </p:childTnLst>
+                    </p:cTn>
+                  </p:par>
+                  <p:par>
+                    <p:cTn id="15" fill="hold">
+                      <p:stCondLst>
+                        <p:cond delay="indefinite"/>
+                      </p:stCondLst>
+                      <p:childTnLst>
+                        <p:par>
+                          <p:cTn id="16" fill="hold">
+                            <p:stCondLst>
+                              <p:cond delay="0"/>
+                            </p:stCondLst>
+                            <p:childTnLst>
+                              <p:par>
+                                <p:cTn id="17" presetID="1" presetClass="entr" presetSubtype="0" fill="hold" grpId="0" nodeType="clickEffect">
+                                  <p:stCondLst>
+                                    <p:cond delay="0"/>
+                                  </p:stCondLst>
+                                  <p:childTnLst>
+                                    <p:set>
+                                      <p:cBhvr>
+                                        <p:cTn id="18" dur="1" fill="hold">
+                                          <p:stCondLst>
+                                            <p:cond delay="0"/>
+                                          </p:stCondLst>
+                                        </p:cTn>
+                                        <p:tgtEl>
+                                          <p:spTgt spid="3">
+                                            <p:txEl>
+                                              <p:pRg st="3" end="3"/>
+                                            </p:txEl>
+                                          </p:spTgt>
+                                        </p:tgtEl>
+                                        <p:attrNameLst>
+                                          <p:attrName>style.visibility</p:attrName>
+                                        </p:attrNameLst>
+                                      </p:cBhvr>
+                                      <p:to>
+                                        <p:strVal val="visible"/>
+                                      </p:to>
+                                    </p:set>
+                                  </p:childTnLst>
+                                </p:cTn>
+                              </p:par>
+                            </p:childTnLst>
+                          </p:cTn>
+                        </p:par>
+                      </p:childTnLst>
+                    </p:cTn>
+                  </p:par>
+                </p:childTnLst>
+              </p:cTn>
+              <p:prevCondLst>
+                <p:cond evt="onPrev" delay="0">
+                  <p:tgtEl>
+                    <p:sldTgt/>
+                  </p:tgtEl>
+                </p:cond>
+              </p:prevCondLst>
+              <p:nextCondLst>
+                <p:cond evt="onNext" delay="0">
+                  <p:tgtEl>
+                    <p:sldTgt/>
+                  </p:tgtEl>
+                </p:cond>
+              </p:nextCondLst>
+            </p:seq>
+          </p:childTnLst>
+        </p:cTn>
+      </p:par>
+    </p:tnLst>
+    <p:bldLst>
+      <p:bldP spid="3" grpId="0" build="p"/>
+    </p:bldLst>
+  </p:timing>
+</p:sld>
+</file>
+
+<file path=ppt/slides/slide7.xml><?xml version="1.0" encoding="utf-8"?>
+<p:sld xmlns:a="http://schemas.openxmlformats.org/drawingml/2006/main" xmlns:r="http://schemas.openxmlformats.org/officeDocument/2006/relationships" xmlns:p="http://schemas.openxmlformats.org/presentationml/2006/main">
+  <p:cSld>
+    <p:spTree>
+      <p:nvGrpSpPr>
+        <p:cNvPr id="1" name=""/>
+        <p:cNvGrpSpPr/>
+        <p:nvPr/>
+      </p:nvGrpSpPr>
+      <p:grpSpPr>
+        <a:xfrm>
+          <a:off x="0" y="0"/>
+          <a:ext cx="0" cy="0"/>
+          <a:chOff x="0" y="0"/>
+          <a:chExt cx="0" cy="0"/>
+        </a:xfrm>
+      </p:grpSpPr>
+      <p:sp>
+        <p:nvSpPr>
+          <p:cNvPr id="2" name="Title 1">
+            <a:extLst>
+              <a:ext uri="{FF2B5EF4-FFF2-40B4-BE49-F238E27FC236}">
+                <a16:creationId xmlns:a16="http://schemas.microsoft.com/office/drawing/2014/main" id="{4DA197EC-75CE-4967-B49A-620F6D94CA9D}"/>
+              </a:ext>
+            </a:extLst>
+          </p:cNvPr>
+          <p:cNvSpPr>
+            <a:spLocks noGrp="1"/>
+          </p:cNvSpPr>
+          <p:nvPr>
+            <p:ph type="title"/>
+          </p:nvPr>
+        </p:nvSpPr>
+        <p:spPr/>
+        <p:txBody>
+          <a:bodyPr/>
+          <a:lstStyle/>
+          <a:p>
+            <a:r>
+              <a:rPr lang="en-US" dirty="0"/>
+              <a:t>Roxygen2</a:t>
+            </a:r>
+          </a:p>
+        </p:txBody>
+      </p:sp>
+      <p:sp>
+        <p:nvSpPr>
+          <p:cNvPr id="5" name="Content Placeholder 2">
+            <a:extLst>
+              <a:ext uri="{FF2B5EF4-FFF2-40B4-BE49-F238E27FC236}">
+                <a16:creationId xmlns:a16="http://schemas.microsoft.com/office/drawing/2014/main" id="{BD06129B-2CE7-4FE7-94A1-56E4F7AC577C}"/>
+              </a:ext>
+            </a:extLst>
+          </p:cNvPr>
+          <p:cNvSpPr>
+            <a:spLocks noGrp="1"/>
+          </p:cNvSpPr>
+          <p:nvPr>
+            <p:ph sz="half" idx="1"/>
+          </p:nvPr>
+        </p:nvSpPr>
+        <p:spPr>
+          <a:xfrm>
+            <a:off x="1066800" y="2103120"/>
+            <a:ext cx="10363200" cy="3749040"/>
+          </a:xfrm>
+        </p:spPr>
+        <p:txBody>
+          <a:bodyPr>
+            <a:normAutofit/>
+          </a:bodyPr>
+          <a:lstStyle/>
+          <a:p>
+            <a:r>
+              <a:rPr lang="en-US" sz="2400" dirty="0"/>
+              <a:t>INLINE with package</a:t>
+            </a:r>
+          </a:p>
+          <a:p>
+            <a:r>
+              <a:rPr lang="en-US" sz="2400" dirty="0"/>
+              <a:t>Structured comments</a:t>
+            </a:r>
+          </a:p>
+          <a:p>
+            <a:pPr marL="617220" lvl="1" indent="-342900">
+              <a:buFont typeface="+mj-lt"/>
+              <a:buAutoNum type="arabicPeriod"/>
+            </a:pPr>
+            <a:r>
+              <a:rPr lang="en-US" sz="2200" dirty="0"/>
+              <a:t>Title (@title)</a:t>
+            </a:r>
+          </a:p>
+          <a:p>
+            <a:pPr marL="617220" lvl="1" indent="-342900">
+              <a:buFont typeface="+mj-lt"/>
+              <a:buAutoNum type="arabicPeriod"/>
+            </a:pPr>
+            <a:r>
+              <a:rPr lang="en-US" sz="2200" dirty="0"/>
+              <a:t>Description (@description)</a:t>
+            </a:r>
+          </a:p>
+          <a:p>
+            <a:pPr marL="617220" lvl="1" indent="-342900">
+              <a:buFont typeface="+mj-lt"/>
+              <a:buAutoNum type="arabicPeriod"/>
+            </a:pPr>
+            <a:r>
+              <a:rPr lang="en-US" sz="2200" dirty="0"/>
+              <a:t>Arguments (@param)</a:t>
+            </a:r>
+          </a:p>
+          <a:p>
+            <a:pPr marL="617220" lvl="1" indent="-342900">
+              <a:buFont typeface="+mj-lt"/>
+              <a:buAutoNum type="arabicPeriod"/>
+            </a:pPr>
+            <a:r>
+              <a:rPr lang="en-US" sz="2200" dirty="0"/>
+              <a:t>Returns (@return)</a:t>
+            </a:r>
+          </a:p>
+          <a:p>
+            <a:pPr marL="617220" lvl="1" indent="-342900">
+              <a:buFont typeface="+mj-lt"/>
+              <a:buAutoNum type="arabicPeriod"/>
+            </a:pPr>
+            <a:r>
+              <a:rPr lang="en-US" sz="2200" dirty="0"/>
+              <a:t>Examples (@examples)</a:t>
+            </a:r>
+          </a:p>
+          <a:p>
+            <a:pPr marL="617220" lvl="1" indent="-342900">
+              <a:buFont typeface="+mj-lt"/>
+              <a:buAutoNum type="arabicPeriod"/>
+            </a:pPr>
+            <a:r>
+              <a:rPr lang="en-US" sz="2200" dirty="0"/>
+              <a:t>Export (@export)</a:t>
+            </a:r>
+          </a:p>
+          <a:p>
+            <a:pPr marL="274320" lvl="1" indent="0">
+              <a:buNone/>
+            </a:pPr>
+            <a:endParaRPr lang="en-US" sz="2000" dirty="0"/>
+          </a:p>
+        </p:txBody>
+      </p:sp>
+      <p:pic>
+        <p:nvPicPr>
+          <p:cNvPr id="3" name="Picture 2">
+            <a:extLst>
+              <a:ext uri="{FF2B5EF4-FFF2-40B4-BE49-F238E27FC236}">
+                <a16:creationId xmlns:a16="http://schemas.microsoft.com/office/drawing/2014/main" id="{971273F1-516E-4C83-BD52-B9CF6AC7FBC6}"/>
+              </a:ext>
+            </a:extLst>
+          </p:cNvPr>
+          <p:cNvPicPr>
+            <a:picLocks noChangeAspect="1"/>
+          </p:cNvPicPr>
+          <p:nvPr/>
+        </p:nvPicPr>
+        <p:blipFill>
+          <a:blip r:embed="rId3"/>
+          <a:stretch>
+            <a:fillRect/>
+          </a:stretch>
+        </p:blipFill>
+        <p:spPr>
+          <a:xfrm>
+            <a:off x="5435412" y="2014194"/>
+            <a:ext cx="6484338" cy="3529450"/>
           </a:xfrm>
           <a:prstGeom prst="rect">
             <a:avLst/>
@@ -9936,6 +10083,37 @@
                                   </p:childTnLst>
                                 </p:cTn>
                               </p:par>
+                              <p:par>
+                                <p:cTn id="21" presetID="1" presetClass="entr" presetSubtype="0" fill="hold" grpId="0" nodeType="withEffect">
+                                  <p:stCondLst>
+                                    <p:cond delay="0"/>
+                                  </p:stCondLst>
+                                  <p:childTnLst>
+                                    <p:set>
+                                      <p:cBhvr>
+                                        <p:cTn id="22" dur="1" fill="hold">
+                                          <p:stCondLst>
+                                            <p:cond delay="0"/>
+                                          </p:stCondLst>
+                                        </p:cTn>
+                                        <p:tgtEl>
+                                          <p:spTgt spid="5">
+                                            <p:txEl>
+                                              <p:pRg st="7" end="7"/>
+                                            </p:txEl>
+                                          </p:spTgt>
+                                        </p:tgtEl>
+                                        <p:attrNameLst>
+                                          <p:attrName>style.visibility</p:attrName>
+                                        </p:attrNameLst>
+                                      </p:cBhvr>
+                                      <p:to>
+                                        <p:strVal val="visible"/>
+                                      </p:to>
+                                    </p:set>
+                                  </p:childTnLst>
+                                </p:cTn>
+                              </p:par>
                             </p:childTnLst>
                           </p:cTn>
                         </p:par>
@@ -9970,7 +10148,7 @@
 </p:sld>
 </file>
 
-<file path=ppt/slides/slide7.xml><?xml version="1.0" encoding="utf-8"?>
+<file path=ppt/slides/slide8.xml><?xml version="1.0" encoding="utf-8"?>
 <p:sld xmlns:a="http://schemas.openxmlformats.org/drawingml/2006/main" xmlns:r="http://schemas.openxmlformats.org/officeDocument/2006/relationships" xmlns:p="http://schemas.openxmlformats.org/presentationml/2006/main">
   <p:cSld>
     <p:spTree>
@@ -9992,6 +10170,87 @@
           <p:cNvPr id="2" name="Title 1">
             <a:extLst>
               <a:ext uri="{FF2B5EF4-FFF2-40B4-BE49-F238E27FC236}">
+                <a16:creationId xmlns:a16="http://schemas.microsoft.com/office/drawing/2014/main" id="{74FF8AFB-2220-429D-9580-FECCA22240E4}"/>
+              </a:ext>
+            </a:extLst>
+          </p:cNvPr>
+          <p:cNvSpPr>
+            <a:spLocks noGrp="1"/>
+          </p:cNvSpPr>
+          <p:nvPr>
+            <p:ph type="title"/>
+          </p:nvPr>
+        </p:nvSpPr>
+        <p:spPr>
+          <a:xfrm>
+            <a:off x="1066800" y="642594"/>
+            <a:ext cx="10058400" cy="5310150"/>
+          </a:xfrm>
+        </p:spPr>
+        <p:txBody>
+          <a:bodyPr>
+            <a:normAutofit/>
+          </a:bodyPr>
+          <a:lstStyle/>
+          <a:p>
+            <a:pPr algn="ctr"/>
+            <a:r>
+              <a:rPr lang="en-US" sz="5400" dirty="0" err="1"/>
+              <a:t>devtools</a:t>
+            </a:r>
+            <a:r>
+              <a:rPr lang="en-US" sz="5400" dirty="0"/>
+              <a:t>::</a:t>
+            </a:r>
+            <a:r>
+              <a:rPr lang="en-US" sz="5400" dirty="0">
+                <a:solidFill>
+                  <a:schemeClr val="accent1">
+                    <a:lumMod val="60000"/>
+                    <a:lumOff val="40000"/>
+                  </a:schemeClr>
+                </a:solidFill>
+              </a:rPr>
+              <a:t>document()</a:t>
+            </a:r>
+          </a:p>
+        </p:txBody>
+      </p:sp>
+    </p:spTree>
+    <p:extLst>
+      <p:ext uri="{BB962C8B-B14F-4D97-AF65-F5344CB8AC3E}">
+        <p14:creationId xmlns:p14="http://schemas.microsoft.com/office/powerpoint/2010/main" val="2690989589"/>
+      </p:ext>
+    </p:extLst>
+  </p:cSld>
+  <p:clrMapOvr>
+    <a:masterClrMapping/>
+  </p:clrMapOvr>
+</p:sld>
+</file>
+
+<file path=ppt/slides/slide9.xml><?xml version="1.0" encoding="utf-8"?>
+<p:sld xmlns:a="http://schemas.openxmlformats.org/drawingml/2006/main" xmlns:r="http://schemas.openxmlformats.org/officeDocument/2006/relationships" xmlns:p="http://schemas.openxmlformats.org/presentationml/2006/main">
+  <p:cSld>
+    <p:spTree>
+      <p:nvGrpSpPr>
+        <p:cNvPr id="1" name=""/>
+        <p:cNvGrpSpPr/>
+        <p:nvPr/>
+      </p:nvGrpSpPr>
+      <p:grpSpPr>
+        <a:xfrm>
+          <a:off x="0" y="0"/>
+          <a:ext cx="0" cy="0"/>
+          <a:chOff x="0" y="0"/>
+          <a:chExt cx="0" cy="0"/>
+        </a:xfrm>
+      </p:grpSpPr>
+      <p:sp>
+        <p:nvSpPr>
+          <p:cNvPr id="2" name="Title 1">
+            <a:extLst>
+              <a:ext uri="{FF2B5EF4-FFF2-40B4-BE49-F238E27FC236}">
                 <a16:creationId xmlns:a16="http://schemas.microsoft.com/office/drawing/2014/main" id="{4DA197EC-75CE-4967-B49A-620F6D94CA9D}"/>
               </a:ext>
             </a:extLst>
@@ -10010,7 +10269,7 @@
           <a:p>
             <a:r>
               <a:rPr lang="en-US" dirty="0"/>
-              <a:t>Generate documentation</a:t>
+              <a:t>document</a:t>
             </a:r>
           </a:p>
         </p:txBody>
@@ -10043,87 +10302,48 @@
           </a:bodyPr>
           <a:lstStyle/>
           <a:p>
-            <a:pPr marL="342900" indent="-342900">
-              <a:buFont typeface="+mj-lt"/>
-              <a:buAutoNum type="arabicPeriod"/>
-            </a:pPr>
-            <a:r>
-              <a:rPr lang="en-US" sz="2400"/>
-              <a:t>INLINE with package</a:t>
-            </a:r>
-          </a:p>
-          <a:p>
-            <a:pPr marL="342900" indent="-342900">
-              <a:buFont typeface="+mj-lt"/>
-              <a:buAutoNum type="arabicPeriod"/>
-            </a:pPr>
-            <a:r>
-              <a:rPr lang="en-US" sz="2400"/>
-              <a:t>structured comments</a:t>
-            </a:r>
-          </a:p>
-          <a:p>
-            <a:pPr marL="617220" lvl="1" indent="-342900">
-              <a:buFont typeface="+mj-lt"/>
-              <a:buAutoNum type="arabicPeriod"/>
-            </a:pPr>
-            <a:r>
-              <a:rPr lang="en-US" sz="2200"/>
-              <a:t>Title</a:t>
-            </a:r>
-          </a:p>
-          <a:p>
-            <a:pPr marL="617220" lvl="1" indent="-342900">
-              <a:buFont typeface="+mj-lt"/>
-              <a:buAutoNum type="arabicPeriod"/>
-            </a:pPr>
-            <a:r>
-              <a:rPr lang="en-US" sz="2200"/>
-              <a:t>Description</a:t>
-            </a:r>
-          </a:p>
-          <a:p>
-            <a:pPr marL="617220" lvl="1" indent="-342900">
-              <a:buFont typeface="+mj-lt"/>
-              <a:buAutoNum type="arabicPeriod"/>
-            </a:pPr>
-            <a:r>
-              <a:rPr lang="en-US" sz="2200"/>
-              <a:t>Parameters (arguments)</a:t>
-            </a:r>
-          </a:p>
-          <a:p>
-            <a:pPr marL="617220" lvl="1" indent="-342900">
-              <a:buFont typeface="+mj-lt"/>
-              <a:buAutoNum type="arabicPeriod"/>
-            </a:pPr>
-            <a:r>
-              <a:rPr lang="en-US" sz="2200"/>
-              <a:t>Returns</a:t>
-            </a:r>
-          </a:p>
-          <a:p>
-            <a:pPr marL="617220" lvl="1" indent="-342900">
-              <a:buFont typeface="+mj-lt"/>
-              <a:buAutoNum type="arabicPeriod"/>
-            </a:pPr>
-            <a:r>
-              <a:rPr lang="en-US" sz="2200"/>
-              <a:t>Examples</a:t>
+            <a:r>
+              <a:rPr lang="en-US" sz="2800" dirty="0"/>
+              <a:t>Updates all Rd files</a:t>
+            </a:r>
+          </a:p>
+          <a:p>
+            <a:r>
+              <a:rPr lang="en-US" sz="2800" dirty="0"/>
+              <a:t>Update NAMESPACE files</a:t>
+            </a:r>
+          </a:p>
+          <a:p>
+            <a:r>
+              <a:rPr lang="en-US" sz="2800" dirty="0"/>
+              <a:t>Checks outputs make sense</a:t>
+            </a:r>
+          </a:p>
+          <a:p>
+            <a:pPr lvl="1"/>
+            <a:r>
+              <a:rPr lang="en-US" sz="2400" dirty="0"/>
+              <a:t>Past functions that were exported</a:t>
+            </a:r>
+          </a:p>
+          <a:p>
+            <a:r>
+              <a:rPr lang="en-US" sz="2800" dirty="0"/>
+              <a:t>? Will now work for your functions during development</a:t>
             </a:r>
           </a:p>
           <a:p>
             <a:pPr marL="274320" lvl="1" indent="0">
               <a:buNone/>
             </a:pPr>
-            <a:endParaRPr lang="en-US" sz="2000" dirty="0"/>
+            <a:endParaRPr lang="en-US" sz="2400" dirty="0"/>
           </a:p>
         </p:txBody>
       </p:sp>
     </p:spTree>
     <p:extLst>
       <p:ext uri="{BB962C8B-B14F-4D97-AF65-F5344CB8AC3E}">
-        <p14:creationId xmlns:p14="http://schemas.microsoft.com/office/powerpoint/2010/main" val="3427874572"/>
+        <p14:creationId xmlns:p14="http://schemas.microsoft.com/office/powerpoint/2010/main" val="1441729282"/>
       </p:ext>
     </p:extLst>
   </p:cSld>
@@ -10230,39 +10450,26 @@
                                   </p:childTnLst>
                                 </p:cTn>
                               </p:par>
+                            </p:childTnLst>
+                          </p:cTn>
+                        </p:par>
+                      </p:childTnLst>
+                    </p:cTn>
+                  </p:par>
+                  <p:par>
+                    <p:cTn id="11" fill="hold">
+                      <p:stCondLst>
+                        <p:cond delay="indefinite"/>
+                      </p:stCondLst>
+                      <p:childTnLst>
+                        <p:par>
+                          <p:cTn id="12" fill="hold">
+                            <p:stCondLst>
+                              <p:cond delay="0"/>
+                            </p:stCondLst>
+                            <p:childTnLst>
                               <p:par>
-                                <p:cTn id="11" presetID="1" presetClass="entr" presetSubtype="0" fill="hold" grpId="0" nodeType="withEffect">
-                                  <p:stCondLst>
-                                    <p:cond delay="0"/>
-                                  </p:stCondLst>
-                                  <p:childTnLst>
-                                    <p:set>
-                                      <p:cBhvr>
-                                        <p:cTn id="12" dur="1" fill="hold">
-                                          <p:stCondLst>
-                                            <p:cond delay="0"/>
-                                          </p:stCondLst>
-                                        </p:cTn>
-                                        <p:tgtEl>
-                                          <p:spTgt spid="5">
-                                            <p:txEl>
-                                              <p:pRg st="2" end="2"/>
-                                            </p:txEl>
-                                          </p:spTgt>
-                                        </p:tgtEl>
-                                        <p:attrNameLst>
-                                          <p:attrName>style.visibility</p:attrName>
-                                        </p:attrNameLst>
-                                      </p:cBhvr>
-                                      <p:to>
-                                        <p:strVal val="visible"/>
-                                      </p:to>
-                                    </p:set>
-                                  </p:childTnLst>
-                                </p:cTn>
-                              </p:par>
-                              <p:par>
-                                <p:cTn id="13" presetID="1" presetClass="entr" presetSubtype="0" fill="hold" grpId="0" nodeType="withEffect">
+                                <p:cTn id="13" presetID="1" presetClass="entr" presetSubtype="0" fill="hold" grpId="0" nodeType="clickEffect">
                                   <p:stCondLst>
                                     <p:cond delay="0"/>
                                   </p:stCondLst>
@@ -10277,7 +10484,7 @@
                                         <p:tgtEl>
                                           <p:spTgt spid="5">
                                             <p:txEl>
-                                              <p:pRg st="3" end="3"/>
+                                              <p:pRg st="2" end="2"/>
                                             </p:txEl>
                                           </p:spTgt>
                                         </p:tgtEl>
@@ -10308,7 +10515,7 @@
                                         <p:tgtEl>
                                           <p:spTgt spid="5">
                                             <p:txEl>
-                                              <p:pRg st="4" end="4"/>
+                                              <p:pRg st="3" end="3"/>
                                             </p:txEl>
                                           </p:spTgt>
                                         </p:tgtEl>
@@ -10323,39 +10530,26 @@
                                   </p:childTnLst>
                                 </p:cTn>
                               </p:par>
+                            </p:childTnLst>
+                          </p:cTn>
+                        </p:par>
+                      </p:childTnLst>
+                    </p:cTn>
+                  </p:par>
+                  <p:par>
+                    <p:cTn id="17" fill="hold">
+                      <p:stCondLst>
+                        <p:cond delay="indefinite"/>
+                      </p:stCondLst>
+                      <p:childTnLst>
+                        <p:par>
+                          <p:cTn id="18" fill="hold">
+                            <p:stCondLst>
+                              <p:cond delay="0"/>
+                            </p:stCondLst>
+                            <p:childTnLst>
                               <p:par>
-                                <p:cTn id="17" presetID="1" presetClass="entr" presetSubtype="0" fill="hold" grpId="0" nodeType="withEffect">
-                                  <p:stCondLst>
-                                    <p:cond delay="0"/>
-                                  </p:stCondLst>
-                                  <p:childTnLst>
-                                    <p:set>
-                                      <p:cBhvr>
-                                        <p:cTn id="18" dur="1" fill="hold">
-                                          <p:stCondLst>
-                                            <p:cond delay="0"/>
-                                          </p:stCondLst>
-                                        </p:cTn>
-                                        <p:tgtEl>
-                                          <p:spTgt spid="5">
-                                            <p:txEl>
-                                              <p:pRg st="5" end="5"/>
-                                            </p:txEl>
-                                          </p:spTgt>
-                                        </p:tgtEl>
-                                        <p:attrNameLst>
-                                          <p:attrName>style.visibility</p:attrName>
-                                        </p:attrNameLst>
-                                      </p:cBhvr>
-                                      <p:to>
-                                        <p:strVal val="visible"/>
-                                      </p:to>
-                                    </p:set>
-                                  </p:childTnLst>
-                                </p:cTn>
-                              </p:par>
-                              <p:par>
-                                <p:cTn id="19" presetID="1" presetClass="entr" presetSubtype="0" fill="hold" grpId="0" nodeType="withEffect">
+                                <p:cTn id="19" presetID="1" presetClass="entr" presetSubtype="0" fill="hold" grpId="0" nodeType="clickEffect">
                                   <p:stCondLst>
                                     <p:cond delay="0"/>
                                   </p:stCondLst>
@@ -10370,7 +10564,7 @@
                                         <p:tgtEl>
                                           <p:spTgt spid="5">
                                             <p:txEl>
-                                              <p:pRg st="6" end="6"/>
+                                              <p:pRg st="4" end="4"/>
                                             </p:txEl>
                                           </p:spTgt>
                                         </p:tgtEl>
@@ -10416,133 +10610,6 @@
       <p:bldP spid="5" grpId="0" build="p"/>
     </p:bldLst>
   </p:timing>
-</p:sld>
-</file>
-
-<file path=ppt/slides/slide8.xml><?xml version="1.0" encoding="utf-8"?>
-<p:sld xmlns:a="http://schemas.openxmlformats.org/drawingml/2006/main" xmlns:r="http://schemas.openxmlformats.org/officeDocument/2006/relationships" xmlns:p="http://schemas.openxmlformats.org/presentationml/2006/main">
-  <p:cSld>
-    <p:spTree>
-      <p:nvGrpSpPr>
-        <p:cNvPr id="1" name=""/>
-        <p:cNvGrpSpPr/>
-        <p:nvPr/>
-      </p:nvGrpSpPr>
-      <p:grpSpPr>
-        <a:xfrm>
-          <a:off x="0" y="0"/>
-          <a:ext cx="0" cy="0"/>
-          <a:chOff x="0" y="0"/>
-          <a:chExt cx="0" cy="0"/>
-        </a:xfrm>
-      </p:grpSpPr>
-      <p:sp>
-        <p:nvSpPr>
-          <p:cNvPr id="2" name="Title 1">
-            <a:extLst>
-              <a:ext uri="{FF2B5EF4-FFF2-40B4-BE49-F238E27FC236}">
-                <a16:creationId xmlns:a16="http://schemas.microsoft.com/office/drawing/2014/main" id="{7614332B-4F24-42F4-A704-A6F1183E9470}"/>
-              </a:ext>
-            </a:extLst>
-          </p:cNvPr>
-          <p:cNvSpPr>
-            <a:spLocks noGrp="1"/>
-          </p:cNvSpPr>
-          <p:nvPr>
-            <p:ph type="ctrTitle"/>
-          </p:nvPr>
-        </p:nvSpPr>
-        <p:spPr/>
-        <p:txBody>
-          <a:bodyPr/>
-          <a:lstStyle/>
-          <a:p>
-            <a:r>
-              <a:rPr lang="en-US" dirty="0"/>
-              <a:t>Vignettes</a:t>
-            </a:r>
-          </a:p>
-        </p:txBody>
-      </p:sp>
-    </p:spTree>
-    <p:extLst>
-      <p:ext uri="{BB962C8B-B14F-4D97-AF65-F5344CB8AC3E}">
-        <p14:creationId xmlns:p14="http://schemas.microsoft.com/office/powerpoint/2010/main" val="2742486074"/>
-      </p:ext>
-    </p:extLst>
-  </p:cSld>
-  <p:clrMapOvr>
-    <a:masterClrMapping/>
-  </p:clrMapOvr>
-</p:sld>
-</file>
-
-<file path=ppt/slides/slide9.xml><?xml version="1.0" encoding="utf-8"?>
-<p:sld xmlns:a="http://schemas.openxmlformats.org/drawingml/2006/main" xmlns:r="http://schemas.openxmlformats.org/officeDocument/2006/relationships" xmlns:p="http://schemas.openxmlformats.org/presentationml/2006/main">
-  <p:cSld>
-    <p:spTree>
-      <p:nvGrpSpPr>
-        <p:cNvPr id="1" name=""/>
-        <p:cNvGrpSpPr/>
-        <p:nvPr/>
-      </p:nvGrpSpPr>
-      <p:grpSpPr>
-        <a:xfrm>
-          <a:off x="0" y="0"/>
-          <a:ext cx="0" cy="0"/>
-          <a:chOff x="0" y="0"/>
-          <a:chExt cx="0" cy="0"/>
-        </a:xfrm>
-      </p:grpSpPr>
-      <p:sp>
-        <p:nvSpPr>
-          <p:cNvPr id="3" name="Content Placeholder 2">
-            <a:extLst>
-              <a:ext uri="{FF2B5EF4-FFF2-40B4-BE49-F238E27FC236}">
-                <a16:creationId xmlns:a16="http://schemas.microsoft.com/office/drawing/2014/main" id="{8AB0FEEC-3BEF-46E7-912B-C736F42B180B}"/>
-              </a:ext>
-            </a:extLst>
-          </p:cNvPr>
-          <p:cNvSpPr>
-            <a:spLocks noGrp="1"/>
-          </p:cNvSpPr>
-          <p:nvPr>
-            <p:ph sz="half" idx="1"/>
-          </p:nvPr>
-        </p:nvSpPr>
-        <p:spPr>
-          <a:xfrm>
-            <a:off x="914400" y="2766060"/>
-            <a:ext cx="10363200" cy="1325880"/>
-          </a:xfrm>
-        </p:spPr>
-        <p:txBody>
-          <a:bodyPr>
-            <a:normAutofit fontScale="62500" lnSpcReduction="20000"/>
-          </a:bodyPr>
-          <a:lstStyle/>
-          <a:p>
-            <a:pPr marL="0" indent="0" algn="ctr">
-              <a:buNone/>
-            </a:pPr>
-            <a:r>
-              <a:rPr lang="en-US" sz="7200" dirty="0"/>
-              <a:t>Share with the world how you expect everything to fit together</a:t>
-            </a:r>
-            <a:endParaRPr lang="en-US" sz="6000" dirty="0"/>
-          </a:p>
-        </p:txBody>
-      </p:sp>
-    </p:spTree>
-    <p:extLst>
-      <p:ext uri="{BB962C8B-B14F-4D97-AF65-F5344CB8AC3E}">
-        <p14:creationId xmlns:p14="http://schemas.microsoft.com/office/powerpoint/2010/main" val="2465116995"/>
-      </p:ext>
-    </p:extLst>
-  </p:cSld>
-  <p:clrMapOvr>
-    <a:masterClrMapping/>
-  </p:clrMapOvr>
 </p:sld>
 </file>
 
@@ -11118,12 +11185,12 @@
 </file>
 
 <file path=customXml/item1.xml><?xml version="1.0" encoding="utf-8"?>
-<p:properties xmlns:p="http://schemas.microsoft.com/office/2006/metadata/properties" xmlns:xsi="http://www.w3.org/2001/XMLSchema-instance" xmlns:pc="http://schemas.microsoft.com/office/infopath/2007/PartnerControls">
-  <documentManagement>
-    <Status xmlns="71af3243-3dd4-4a8d-8c0d-dd76da1f02a5">Not started</Status>
-    <MediaServiceKeyPoints xmlns="71af3243-3dd4-4a8d-8c0d-dd76da1f02a5" xsi:nil="true"/>
-  </documentManagement>
-</p:properties>
+<?mso-contentType ?>
+<FormTemplates xmlns="http://schemas.microsoft.com/sharepoint/v3/contenttype/forms">
+  <Display>DocumentLibraryForm</Display>
+  <Edit>DocumentLibraryForm</Edit>
+  <New>DocumentLibraryForm</New>
+</FormTemplates>
 </file>
 
 <file path=customXml/item2.xml><?xml version="1.0" encoding="utf-8"?>
@@ -11348,27 +11415,18 @@
 </file>
 
 <file path=customXml/item3.xml><?xml version="1.0" encoding="utf-8"?>
-<?mso-contentType ?>
-<FormTemplates xmlns="http://schemas.microsoft.com/sharepoint/v3/contenttype/forms">
-  <Display>DocumentLibraryForm</Display>
-  <Edit>DocumentLibraryForm</Edit>
-  <New>DocumentLibraryForm</New>
-</FormTemplates>
+<p:properties xmlns:p="http://schemas.microsoft.com/office/2006/metadata/properties" xmlns:xsi="http://www.w3.org/2001/XMLSchema-instance" xmlns:pc="http://schemas.microsoft.com/office/infopath/2007/PartnerControls">
+  <documentManagement>
+    <Status xmlns="71af3243-3dd4-4a8d-8c0d-dd76da1f02a5">Not started</Status>
+    <MediaServiceKeyPoints xmlns="71af3243-3dd4-4a8d-8c0d-dd76da1f02a5" xsi:nil="true"/>
+  </documentManagement>
+</p:properties>
 </file>
 
 <file path=customXml/itemProps1.xml><?xml version="1.0" encoding="utf-8"?>
-<ds:datastoreItem xmlns:ds="http://schemas.openxmlformats.org/officeDocument/2006/customXml" ds:itemID="{137651BA-F45C-4845-9AB3-E0A65B39F5E1}">
+<ds:datastoreItem xmlns:ds="http://schemas.openxmlformats.org/officeDocument/2006/customXml" ds:itemID="{CDB58277-F8DF-46FF-84EC-EF41B835E69F}">
   <ds:schemaRefs>
-    <ds:schemaRef ds:uri="http://purl.org/dc/terms/"/>
-    <ds:schemaRef ds:uri="http://schemas.openxmlformats.org/package/2006/metadata/core-properties"/>
-    <ds:schemaRef ds:uri="16c05727-aa75-4e4a-9b5f-8a80a1165891"/>
-    <ds:schemaRef ds:uri="http://schemas.microsoft.com/office/2006/documentManagement/types"/>
-    <ds:schemaRef ds:uri="http://schemas.microsoft.com/office/infopath/2007/PartnerControls"/>
-    <ds:schemaRef ds:uri="http://purl.org/dc/elements/1.1/"/>
-    <ds:schemaRef ds:uri="http://schemas.microsoft.com/office/2006/metadata/properties"/>
-    <ds:schemaRef ds:uri="71af3243-3dd4-4a8d-8c0d-dd76da1f02a5"/>
-    <ds:schemaRef ds:uri="http://www.w3.org/XML/1998/namespace"/>
-    <ds:schemaRef ds:uri="http://purl.org/dc/dcmitype/"/>
+    <ds:schemaRef ds:uri="http://schemas.microsoft.com/sharepoint/v3/contenttype/forms"/>
   </ds:schemaRefs>
 </ds:datastoreItem>
 </file>
@@ -11393,9 +11451,18 @@
 </file>
 
 <file path=customXml/itemProps3.xml><?xml version="1.0" encoding="utf-8"?>
-<ds:datastoreItem xmlns:ds="http://schemas.openxmlformats.org/officeDocument/2006/customXml" ds:itemID="{CDB58277-F8DF-46FF-84EC-EF41B835E69F}">
+<ds:datastoreItem xmlns:ds="http://schemas.openxmlformats.org/officeDocument/2006/customXml" ds:itemID="{137651BA-F45C-4845-9AB3-E0A65B39F5E1}">
   <ds:schemaRefs>
-    <ds:schemaRef ds:uri="http://schemas.microsoft.com/sharepoint/v3/contenttype/forms"/>
+    <ds:schemaRef ds:uri="http://purl.org/dc/terms/"/>
+    <ds:schemaRef ds:uri="http://schemas.openxmlformats.org/package/2006/metadata/core-properties"/>
+    <ds:schemaRef ds:uri="16c05727-aa75-4e4a-9b5f-8a80a1165891"/>
+    <ds:schemaRef ds:uri="http://schemas.microsoft.com/office/2006/documentManagement/types"/>
+    <ds:schemaRef ds:uri="http://schemas.microsoft.com/office/infopath/2007/PartnerControls"/>
+    <ds:schemaRef ds:uri="http://purl.org/dc/elements/1.1/"/>
+    <ds:schemaRef ds:uri="http://schemas.microsoft.com/office/2006/metadata/properties"/>
+    <ds:schemaRef ds:uri="71af3243-3dd4-4a8d-8c0d-dd76da1f02a5"/>
+    <ds:schemaRef ds:uri="http://www.w3.org/XML/1998/namespace"/>
+    <ds:schemaRef ds:uri="http://purl.org/dc/dcmitype/"/>
   </ds:schemaRefs>
 </ds:datastoreItem>
 </file>